--- a/docs/presentation.pptx
+++ b/docs/presentation.pptx
@@ -2,7 +2,7 @@
 <file path=ppt/presentation.xml><?xml version="1.0" encoding="utf-8"?>
 <p:presentation xmlns:a="http://schemas.openxmlformats.org/drawingml/2006/main" xmlns:r="http://schemas.openxmlformats.org/officeDocument/2006/relationships" xmlns:p="http://schemas.openxmlformats.org/presentationml/2006/main">
   <p:sldMasterIdLst>
-    <p:sldMasterId id="2147483781" r:id="rId1"/>
+    <p:sldMasterId id="2147483853" r:id="rId1"/>
   </p:sldMasterIdLst>
   <p:sldIdLst>
     <p:sldId id="261" r:id="rId2"/>
@@ -17,7 +17,7 @@
     <a:defPPr>
       <a:defRPr lang="en-US"/>
     </a:defPPr>
-    <a:lvl1pPr marL="0" algn="l" defTabSz="914305" rtl="0" eaLnBrk="1" latinLnBrk="0" hangingPunct="1">
+    <a:lvl1pPr marL="0" algn="l" defTabSz="914210" rtl="0" eaLnBrk="1" latinLnBrk="0" hangingPunct="1">
       <a:defRPr sz="1800" kern="1200">
         <a:solidFill>
           <a:schemeClr val="tx1"/>
@@ -27,7 +27,7 @@
         <a:cs typeface="+mn-cs"/>
       </a:defRPr>
     </a:lvl1pPr>
-    <a:lvl2pPr marL="457152" algn="l" defTabSz="914305" rtl="0" eaLnBrk="1" latinLnBrk="0" hangingPunct="1">
+    <a:lvl2pPr marL="457105" algn="l" defTabSz="914210" rtl="0" eaLnBrk="1" latinLnBrk="0" hangingPunct="1">
       <a:defRPr sz="1800" kern="1200">
         <a:solidFill>
           <a:schemeClr val="tx1"/>
@@ -37,7 +37,7 @@
         <a:cs typeface="+mn-cs"/>
       </a:defRPr>
     </a:lvl2pPr>
-    <a:lvl3pPr marL="914305" algn="l" defTabSz="914305" rtl="0" eaLnBrk="1" latinLnBrk="0" hangingPunct="1">
+    <a:lvl3pPr marL="914210" algn="l" defTabSz="914210" rtl="0" eaLnBrk="1" latinLnBrk="0" hangingPunct="1">
       <a:defRPr sz="1800" kern="1200">
         <a:solidFill>
           <a:schemeClr val="tx1"/>
@@ -47,7 +47,7 @@
         <a:cs typeface="+mn-cs"/>
       </a:defRPr>
     </a:lvl3pPr>
-    <a:lvl4pPr marL="1371457" algn="l" defTabSz="914305" rtl="0" eaLnBrk="1" latinLnBrk="0" hangingPunct="1">
+    <a:lvl4pPr marL="1371315" algn="l" defTabSz="914210" rtl="0" eaLnBrk="1" latinLnBrk="0" hangingPunct="1">
       <a:defRPr sz="1800" kern="1200">
         <a:solidFill>
           <a:schemeClr val="tx1"/>
@@ -57,7 +57,7 @@
         <a:cs typeface="+mn-cs"/>
       </a:defRPr>
     </a:lvl4pPr>
-    <a:lvl5pPr marL="1828610" algn="l" defTabSz="914305" rtl="0" eaLnBrk="1" latinLnBrk="0" hangingPunct="1">
+    <a:lvl5pPr marL="1828420" algn="l" defTabSz="914210" rtl="0" eaLnBrk="1" latinLnBrk="0" hangingPunct="1">
       <a:defRPr sz="1800" kern="1200">
         <a:solidFill>
           <a:schemeClr val="tx1"/>
@@ -67,7 +67,7 @@
         <a:cs typeface="+mn-cs"/>
       </a:defRPr>
     </a:lvl5pPr>
-    <a:lvl6pPr marL="2285763" algn="l" defTabSz="914305" rtl="0" eaLnBrk="1" latinLnBrk="0" hangingPunct="1">
+    <a:lvl6pPr marL="2285526" algn="l" defTabSz="914210" rtl="0" eaLnBrk="1" latinLnBrk="0" hangingPunct="1">
       <a:defRPr sz="1800" kern="1200">
         <a:solidFill>
           <a:schemeClr val="tx1"/>
@@ -77,7 +77,7 @@
         <a:cs typeface="+mn-cs"/>
       </a:defRPr>
     </a:lvl6pPr>
-    <a:lvl7pPr marL="2742916" algn="l" defTabSz="914305" rtl="0" eaLnBrk="1" latinLnBrk="0" hangingPunct="1">
+    <a:lvl7pPr marL="2742632" algn="l" defTabSz="914210" rtl="0" eaLnBrk="1" latinLnBrk="0" hangingPunct="1">
       <a:defRPr sz="1800" kern="1200">
         <a:solidFill>
           <a:schemeClr val="tx1"/>
@@ -87,7 +87,7 @@
         <a:cs typeface="+mn-cs"/>
       </a:defRPr>
     </a:lvl7pPr>
-    <a:lvl8pPr marL="3200068" algn="l" defTabSz="914305" rtl="0" eaLnBrk="1" latinLnBrk="0" hangingPunct="1">
+    <a:lvl8pPr marL="3199737" algn="l" defTabSz="914210" rtl="0" eaLnBrk="1" latinLnBrk="0" hangingPunct="1">
       <a:defRPr sz="1800" kern="1200">
         <a:solidFill>
           <a:schemeClr val="tx1"/>
@@ -97,7 +97,7 @@
         <a:cs typeface="+mn-cs"/>
       </a:defRPr>
     </a:lvl8pPr>
-    <a:lvl9pPr marL="3657221" algn="l" defTabSz="914305" rtl="0" eaLnBrk="1" latinLnBrk="0" hangingPunct="1">
+    <a:lvl9pPr marL="3656842" algn="l" defTabSz="914210" rtl="0" eaLnBrk="1" latinLnBrk="0" hangingPunct="1">
       <a:defRPr sz="1800" kern="1200">
         <a:solidFill>
           <a:schemeClr val="tx1"/>
@@ -130,7 +130,7 @@
       </p:grpSpPr>
       <p:sp>
         <p:nvSpPr>
-          <p:cNvPr id="8" name="Title 7"/>
+          <p:cNvPr id="2" name="Title 1"/>
           <p:cNvSpPr>
             <a:spLocks noGrp="1"/>
           </p:cNvSpPr>
@@ -140,139 +140,36 @@
         </p:nvSpPr>
         <p:spPr>
           <a:xfrm>
-            <a:off x="465259" y="1511935"/>
-            <a:ext cx="9072563" cy="2015913"/>
+            <a:off x="756047" y="2099910"/>
+            <a:ext cx="8316516" cy="2859377"/>
           </a:xfrm>
         </p:spPr>
         <p:txBody>
-          <a:bodyPr vert="horz" lIns="50397" tIns="0" rIns="50397" bIns="0" anchor="b">
-            <a:normAutofit/>
-            <a:scene3d>
-              <a:camera prst="orthographicFront"/>
-              <a:lightRig rig="soft" dir="t">
-                <a:rot lat="0" lon="0" rev="17220000"/>
-              </a:lightRig>
-            </a:scene3d>
-            <a:sp3d prstMaterial="softEdge">
-              <a:bevelT w="38100" h="38100"/>
-            </a:sp3d>
-          </a:bodyPr>
+          <a:bodyPr anchor="b"/>
           <a:lstStyle>
             <a:lvl1pPr>
-              <a:defRPr sz="5300" b="1" cap="all" baseline="0">
-                <a:ln w="6350">
+              <a:defRPr sz="7300">
+                <a:ln>
                   <a:noFill/>
                 </a:ln>
-                <a:gradFill>
-                  <a:gsLst>
-                    <a:gs pos="0">
-                      <a:schemeClr val="accent1">
-                        <a:tint val="73000"/>
-                        <a:satMod val="145000"/>
-                      </a:schemeClr>
-                    </a:gs>
-                    <a:gs pos="73000">
-                      <a:schemeClr val="accent1">
-                        <a:tint val="73000"/>
-                        <a:satMod val="145000"/>
-                      </a:schemeClr>
-                    </a:gs>
-                    <a:gs pos="100000">
-                      <a:schemeClr val="accent1">
-                        <a:tint val="83000"/>
-                        <a:satMod val="143000"/>
-                      </a:schemeClr>
-                    </a:gs>
-                  </a:gsLst>
-                  <a:lin ang="4800000" scaled="1"/>
-                </a:gradFill>
-                <a:effectLst>
-                  <a:outerShdw blurRad="127000" dist="200000" dir="2700000" algn="tl" rotWithShape="0">
-                    <a:srgbClr val="000000">
-                      <a:alpha val="30000"/>
-                    </a:srgbClr>
-                  </a:outerShdw>
-                </a:effectLst>
+                <a:solidFill>
+                  <a:schemeClr val="tx2"/>
+                </a:solidFill>
               </a:defRPr>
             </a:lvl1pPr>
           </a:lstStyle>
           <a:p>
             <a:r>
-              <a:rPr kumimoji="0" lang="en-US" smtClean="0"/>
+              <a:rPr lang="en-US" smtClean="0"/>
               <a:t>Click to edit Master title style</a:t>
             </a:r>
-            <a:endParaRPr kumimoji="0" lang="en-US"/>
-          </a:p>
-        </p:txBody>
-      </p:sp>
-      <p:sp>
-        <p:nvSpPr>
-          <p:cNvPr id="28" name="Date Placeholder 27"/>
-          <p:cNvSpPr>
-            <a:spLocks noGrp="1"/>
-          </p:cNvSpPr>
-          <p:nvPr>
-            <p:ph type="dt" sz="half" idx="10"/>
-          </p:nvPr>
-        </p:nvSpPr>
-        <p:spPr/>
-        <p:txBody>
-          <a:bodyPr/>
-          <a:lstStyle/>
-          <a:p>
-            <a:fld id="{429754B6-2C37-4935-B4F6-52A568AA86E4}" type="datetimeFigureOut">
-              <a:rPr lang="en-US" smtClean="0"/>
-              <a:t>5/8/2013</a:t>
-            </a:fld>
-            <a:endParaRPr lang="en-US"/>
-          </a:p>
-        </p:txBody>
-      </p:sp>
-      <p:sp>
-        <p:nvSpPr>
-          <p:cNvPr id="17" name="Footer Placeholder 16"/>
-          <p:cNvSpPr>
-            <a:spLocks noGrp="1"/>
-          </p:cNvSpPr>
-          <p:nvPr>
-            <p:ph type="ftr" sz="quarter" idx="11"/>
-          </p:nvPr>
-        </p:nvSpPr>
-        <p:spPr/>
-        <p:txBody>
-          <a:bodyPr/>
-          <a:lstStyle/>
-          <a:p>
-            <a:endParaRPr lang="en-US"/>
-          </a:p>
-        </p:txBody>
-      </p:sp>
-      <p:sp>
-        <p:nvSpPr>
-          <p:cNvPr id="29" name="Slide Number Placeholder 28"/>
-          <p:cNvSpPr>
-            <a:spLocks noGrp="1"/>
-          </p:cNvSpPr>
-          <p:nvPr>
-            <p:ph type="sldNum" sz="quarter" idx="12"/>
-          </p:nvPr>
-        </p:nvSpPr>
-        <p:spPr/>
-        <p:txBody>
-          <a:bodyPr/>
-          <a:lstStyle/>
-          <a:p>
-            <a:fld id="{65C3DADE-02FC-4CD9-B14C-87A09C9DB7D9}" type="slidenum">
-              <a:rPr lang="en-US" smtClean="0"/>
-              <a:t>‹#›</a:t>
-            </a:fld>
-            <a:endParaRPr lang="en-US"/>
-          </a:p>
-        </p:txBody>
-      </p:sp>
-      <p:sp>
-        <p:nvSpPr>
-          <p:cNvPr id="9" name="Subtitle 8"/>
+            <a:endParaRPr lang="en-US" dirty="0"/>
+          </a:p>
+        </p:txBody>
+      </p:sp>
+      <p:sp>
+        <p:nvSpPr>
+          <p:cNvPr id="3" name="Subtitle 2"/>
           <p:cNvSpPr>
             <a:spLocks noGrp="1"/>
           </p:cNvSpPr>
@@ -282,52 +179,177 @@
         </p:nvSpPr>
         <p:spPr>
           <a:xfrm>
-            <a:off x="1512094" y="3672580"/>
-            <a:ext cx="7056438" cy="1931917"/>
+            <a:off x="756047" y="5039784"/>
+            <a:ext cx="7123642" cy="1175949"/>
           </a:xfrm>
         </p:spPr>
         <p:txBody>
-          <a:bodyPr/>
+          <a:bodyPr anchor="t">
+            <a:normAutofit/>
+          </a:bodyPr>
           <a:lstStyle>
-            <a:lvl1pPr marL="0" indent="0" algn="ctr">
-              <a:buNone/>
-              <a:defRPr>
+            <a:lvl1pPr marL="0" indent="0" algn="l">
+              <a:buNone/>
+              <a:defRPr sz="2200">
                 <a:solidFill>
-                  <a:schemeClr val="tx1"/>
+                  <a:schemeClr val="tx1">
+                    <a:tint val="75000"/>
+                  </a:schemeClr>
                 </a:solidFill>
               </a:defRPr>
             </a:lvl1pPr>
             <a:lvl2pPr marL="503972" indent="0" algn="ctr">
               <a:buNone/>
+              <a:defRPr>
+                <a:solidFill>
+                  <a:schemeClr val="tx1">
+                    <a:tint val="75000"/>
+                  </a:schemeClr>
+                </a:solidFill>
+              </a:defRPr>
             </a:lvl2pPr>
             <a:lvl3pPr marL="1007943" indent="0" algn="ctr">
               <a:buNone/>
+              <a:defRPr>
+                <a:solidFill>
+                  <a:schemeClr val="tx1">
+                    <a:tint val="75000"/>
+                  </a:schemeClr>
+                </a:solidFill>
+              </a:defRPr>
             </a:lvl3pPr>
             <a:lvl4pPr marL="1511915" indent="0" algn="ctr">
               <a:buNone/>
+              <a:defRPr>
+                <a:solidFill>
+                  <a:schemeClr val="tx1">
+                    <a:tint val="75000"/>
+                  </a:schemeClr>
+                </a:solidFill>
+              </a:defRPr>
             </a:lvl4pPr>
             <a:lvl5pPr marL="2015886" indent="0" algn="ctr">
               <a:buNone/>
+              <a:defRPr>
+                <a:solidFill>
+                  <a:schemeClr val="tx1">
+                    <a:tint val="75000"/>
+                  </a:schemeClr>
+                </a:solidFill>
+              </a:defRPr>
             </a:lvl5pPr>
             <a:lvl6pPr marL="2519858" indent="0" algn="ctr">
               <a:buNone/>
+              <a:defRPr>
+                <a:solidFill>
+                  <a:schemeClr val="tx1">
+                    <a:tint val="75000"/>
+                  </a:schemeClr>
+                </a:solidFill>
+              </a:defRPr>
             </a:lvl6pPr>
             <a:lvl7pPr marL="3023829" indent="0" algn="ctr">
               <a:buNone/>
+              <a:defRPr>
+                <a:solidFill>
+                  <a:schemeClr val="tx1">
+                    <a:tint val="75000"/>
+                  </a:schemeClr>
+                </a:solidFill>
+              </a:defRPr>
             </a:lvl7pPr>
             <a:lvl8pPr marL="3527801" indent="0" algn="ctr">
               <a:buNone/>
+              <a:defRPr>
+                <a:solidFill>
+                  <a:schemeClr val="tx1">
+                    <a:tint val="75000"/>
+                  </a:schemeClr>
+                </a:solidFill>
+              </a:defRPr>
             </a:lvl8pPr>
             <a:lvl9pPr marL="4031772" indent="0" algn="ctr">
               <a:buNone/>
+              <a:defRPr>
+                <a:solidFill>
+                  <a:schemeClr val="tx1">
+                    <a:tint val="75000"/>
+                  </a:schemeClr>
+                </a:solidFill>
+              </a:defRPr>
             </a:lvl9pPr>
           </a:lstStyle>
           <a:p>
             <a:r>
-              <a:rPr kumimoji="0" lang="en-US" smtClean="0"/>
+              <a:rPr lang="en-US" smtClean="0"/>
               <a:t>Click to edit Master subtitle style</a:t>
             </a:r>
-            <a:endParaRPr kumimoji="0" lang="en-US"/>
+            <a:endParaRPr lang="en-US" dirty="0"/>
+          </a:p>
+        </p:txBody>
+      </p:sp>
+      <p:sp>
+        <p:nvSpPr>
+          <p:cNvPr id="4" name="Date Placeholder 3"/>
+          <p:cNvSpPr>
+            <a:spLocks noGrp="1"/>
+          </p:cNvSpPr>
+          <p:nvPr>
+            <p:ph type="dt" sz="half" idx="10"/>
+          </p:nvPr>
+        </p:nvSpPr>
+        <p:spPr/>
+        <p:txBody>
+          <a:bodyPr/>
+          <a:lstStyle/>
+          <a:p>
+            <a:fld id="{429754B6-2C37-4935-B4F6-52A568AA86E4}" type="datetimeFigureOut">
+              <a:rPr lang="en-US" smtClean="0"/>
+              <a:t>5/9/2013</a:t>
+            </a:fld>
+            <a:endParaRPr lang="en-US"/>
+          </a:p>
+        </p:txBody>
+      </p:sp>
+      <p:sp>
+        <p:nvSpPr>
+          <p:cNvPr id="5" name="Footer Placeholder 4"/>
+          <p:cNvSpPr>
+            <a:spLocks noGrp="1"/>
+          </p:cNvSpPr>
+          <p:nvPr>
+            <p:ph type="ftr" sz="quarter" idx="11"/>
+          </p:nvPr>
+        </p:nvSpPr>
+        <p:spPr/>
+        <p:txBody>
+          <a:bodyPr/>
+          <a:lstStyle/>
+          <a:p>
+            <a:endParaRPr lang="en-US"/>
+          </a:p>
+        </p:txBody>
+      </p:sp>
+      <p:sp>
+        <p:nvSpPr>
+          <p:cNvPr id="6" name="Slide Number Placeholder 5"/>
+          <p:cNvSpPr>
+            <a:spLocks noGrp="1"/>
+          </p:cNvSpPr>
+          <p:nvPr>
+            <p:ph type="sldNum" sz="quarter" idx="12"/>
+          </p:nvPr>
+        </p:nvSpPr>
+        <p:spPr/>
+        <p:txBody>
+          <a:bodyPr/>
+          <a:lstStyle/>
+          <a:p>
+            <a:fld id="{65C3DADE-02FC-4CD9-B14C-87A09C9DB7D9}" type="slidenum">
+              <a:rPr lang="en-US" smtClean="0"/>
+              <a:t>‹#›</a:t>
+            </a:fld>
+            <a:endParaRPr lang="en-US"/>
           </a:p>
         </p:txBody>
       </p:sp>
@@ -372,10 +394,10 @@
           <a:lstStyle/>
           <a:p>
             <a:r>
-              <a:rPr kumimoji="0" lang="en-US" smtClean="0"/>
+              <a:rPr lang="en-US" smtClean="0"/>
               <a:t>Click to edit Master title style</a:t>
             </a:r>
-            <a:endParaRPr kumimoji="0" lang="en-US"/>
+            <a:endParaRPr lang="en-US"/>
           </a:p>
         </p:txBody>
       </p:sp>
@@ -394,40 +416,40 @@
           <a:bodyPr vert="eaVert"/>
           <a:lstStyle/>
           <a:p>
-            <a:pPr lvl="0" eaLnBrk="1" latinLnBrk="0" hangingPunct="1"/>
+            <a:pPr lvl="0"/>
             <a:r>
               <a:rPr lang="en-US" smtClean="0"/>
               <a:t>Click to edit Master text styles</a:t>
             </a:r>
           </a:p>
           <a:p>
-            <a:pPr lvl="1" eaLnBrk="1" latinLnBrk="0" hangingPunct="1"/>
+            <a:pPr lvl="1"/>
             <a:r>
               <a:rPr lang="en-US" smtClean="0"/>
               <a:t>Second level</a:t>
             </a:r>
           </a:p>
           <a:p>
-            <a:pPr lvl="2" eaLnBrk="1" latinLnBrk="0" hangingPunct="1"/>
+            <a:pPr lvl="2"/>
             <a:r>
               <a:rPr lang="en-US" smtClean="0"/>
               <a:t>Third level</a:t>
             </a:r>
           </a:p>
           <a:p>
-            <a:pPr lvl="3" eaLnBrk="1" latinLnBrk="0" hangingPunct="1"/>
+            <a:pPr lvl="3"/>
             <a:r>
               <a:rPr lang="en-US" smtClean="0"/>
               <a:t>Fourth level</a:t>
             </a:r>
           </a:p>
           <a:p>
-            <a:pPr lvl="4" eaLnBrk="1" latinLnBrk="0" hangingPunct="1"/>
+            <a:pPr lvl="4"/>
             <a:r>
               <a:rPr lang="en-US" smtClean="0"/>
               <a:t>Fifth level</a:t>
             </a:r>
-            <a:endParaRPr kumimoji="0" lang="en-US"/>
+            <a:endParaRPr lang="en-US"/>
           </a:p>
         </p:txBody>
       </p:sp>
@@ -540,18 +562,18 @@
         <p:spPr>
           <a:xfrm>
             <a:off x="7308453" y="302738"/>
-            <a:ext cx="2268141" cy="6450223"/>
+            <a:ext cx="1932120" cy="6450223"/>
           </a:xfrm>
         </p:spPr>
         <p:txBody>
-          <a:bodyPr vert="eaVert"/>
-          <a:lstStyle/>
-          <a:p>
-            <a:r>
-              <a:rPr kumimoji="0" lang="en-US" smtClean="0"/>
+          <a:bodyPr vert="eaVert" anchor="b" anchorCtr="0"/>
+          <a:lstStyle/>
+          <a:p>
+            <a:r>
+              <a:rPr lang="en-US" smtClean="0"/>
               <a:t>Click to edit Master title style</a:t>
             </a:r>
-            <a:endParaRPr kumimoji="0" lang="en-US"/>
+            <a:endParaRPr lang="en-US" dirty="0"/>
           </a:p>
         </p:txBody>
       </p:sp>
@@ -575,40 +597,40 @@
           <a:bodyPr vert="eaVert"/>
           <a:lstStyle/>
           <a:p>
-            <a:pPr lvl="0" eaLnBrk="1" latinLnBrk="0" hangingPunct="1"/>
+            <a:pPr lvl="0"/>
             <a:r>
               <a:rPr lang="en-US" smtClean="0"/>
               <a:t>Click to edit Master text styles</a:t>
             </a:r>
           </a:p>
           <a:p>
-            <a:pPr lvl="1" eaLnBrk="1" latinLnBrk="0" hangingPunct="1"/>
+            <a:pPr lvl="1"/>
             <a:r>
               <a:rPr lang="en-US" smtClean="0"/>
               <a:t>Second level</a:t>
             </a:r>
           </a:p>
           <a:p>
-            <a:pPr lvl="2" eaLnBrk="1" latinLnBrk="0" hangingPunct="1"/>
+            <a:pPr lvl="2"/>
             <a:r>
               <a:rPr lang="en-US" smtClean="0"/>
               <a:t>Third level</a:t>
             </a:r>
           </a:p>
           <a:p>
-            <a:pPr lvl="3" eaLnBrk="1" latinLnBrk="0" hangingPunct="1"/>
+            <a:pPr lvl="3"/>
             <a:r>
               <a:rPr lang="en-US" smtClean="0"/>
               <a:t>Fourth level</a:t>
             </a:r>
           </a:p>
           <a:p>
-            <a:pPr lvl="4" eaLnBrk="1" latinLnBrk="0" hangingPunct="1"/>
+            <a:pPr lvl="4"/>
             <a:r>
               <a:rPr lang="en-US" smtClean="0"/>
               <a:t>Fifth level</a:t>
             </a:r>
-            <a:endParaRPr kumimoji="0" lang="en-US"/>
+            <a:endParaRPr lang="en-US"/>
           </a:p>
         </p:txBody>
       </p:sp>
@@ -724,10 +746,10 @@
           <a:lstStyle/>
           <a:p>
             <a:r>
-              <a:rPr kumimoji="0" lang="en-US" smtClean="0"/>
+              <a:rPr lang="en-US" smtClean="0"/>
               <a:t>Click to edit Master title style</a:t>
             </a:r>
-            <a:endParaRPr kumimoji="0" lang="en-US"/>
+            <a:endParaRPr lang="en-US"/>
           </a:p>
         </p:txBody>
       </p:sp>
@@ -746,40 +768,40 @@
           <a:bodyPr/>
           <a:lstStyle/>
           <a:p>
-            <a:pPr lvl="0" eaLnBrk="1" latinLnBrk="0" hangingPunct="1"/>
+            <a:pPr lvl="0"/>
             <a:r>
               <a:rPr lang="en-US" smtClean="0"/>
               <a:t>Click to edit Master text styles</a:t>
             </a:r>
           </a:p>
           <a:p>
-            <a:pPr lvl="1" eaLnBrk="1" latinLnBrk="0" hangingPunct="1"/>
+            <a:pPr lvl="1"/>
             <a:r>
               <a:rPr lang="en-US" smtClean="0"/>
               <a:t>Second level</a:t>
             </a:r>
           </a:p>
           <a:p>
-            <a:pPr lvl="2" eaLnBrk="1" latinLnBrk="0" hangingPunct="1"/>
+            <a:pPr lvl="2"/>
             <a:r>
               <a:rPr lang="en-US" smtClean="0"/>
               <a:t>Third level</a:t>
             </a:r>
           </a:p>
           <a:p>
-            <a:pPr lvl="3" eaLnBrk="1" latinLnBrk="0" hangingPunct="1"/>
+            <a:pPr lvl="3"/>
             <a:r>
               <a:rPr lang="en-US" smtClean="0"/>
               <a:t>Fourth level</a:t>
             </a:r>
           </a:p>
           <a:p>
-            <a:pPr lvl="4" eaLnBrk="1" latinLnBrk="0" hangingPunct="1"/>
+            <a:pPr lvl="4"/>
             <a:r>
               <a:rPr lang="en-US" smtClean="0"/>
               <a:t>Fifth level</a:t>
             </a:r>
-            <a:endParaRPr kumimoji="0" lang="en-US"/>
+            <a:endParaRPr lang="en-US"/>
           </a:p>
         </p:txBody>
       </p:sp>
@@ -865,11 +887,6 @@
 <file path=ppt/slideLayouts/slideLayout3.xml><?xml version="1.0" encoding="utf-8"?>
 <p:sldLayout xmlns:a="http://schemas.openxmlformats.org/drawingml/2006/main" xmlns:r="http://schemas.openxmlformats.org/officeDocument/2006/relationships" xmlns:p="http://schemas.openxmlformats.org/presentationml/2006/main" type="secHead" preserve="1">
   <p:cSld name="Section Header">
-    <p:bg>
-      <p:bgRef idx="1003">
-        <a:schemeClr val="bg2"/>
-      </p:bgRef>
-    </p:bg>
     <p:spTree>
       <p:nvGrpSpPr>
         <p:cNvPr id="1" name=""/>
@@ -896,63 +913,23 @@
         </p:nvSpPr>
         <p:spPr>
           <a:xfrm>
-            <a:off x="1764110" y="671971"/>
-            <a:ext cx="7812484" cy="2015913"/>
+            <a:off x="796300" y="6047740"/>
+            <a:ext cx="8444273" cy="1287945"/>
           </a:xfrm>
         </p:spPr>
         <p:txBody>
-          <a:bodyPr vert="horz" bIns="0" anchor="b">
-            <a:noAutofit/>
-            <a:scene3d>
-              <a:camera prst="orthographicFront"/>
-              <a:lightRig rig="soft" dir="t">
-                <a:rot lat="0" lon="0" rev="17220000"/>
-              </a:lightRig>
-            </a:scene3d>
-            <a:sp3d prstMaterial="softEdge">
-              <a:bevelT w="38100" h="38100"/>
-              <a:contourClr>
-                <a:schemeClr val="tx2">
-                  <a:shade val="50000"/>
-                </a:schemeClr>
-              </a:contourClr>
-            </a:sp3d>
-          </a:bodyPr>
+          <a:bodyPr anchor="t"/>
           <a:lstStyle>
-            <a:lvl1pPr algn="l" rtl="0">
-              <a:spcBef>
-                <a:spcPct val="0"/>
-              </a:spcBef>
-              <a:buNone/>
-              <a:defRPr sz="5300" b="1" cap="none" baseline="0">
-                <a:ln w="6350">
-                  <a:noFill/>
-                </a:ln>
-                <a:solidFill>
-                  <a:schemeClr val="accent1">
-                    <a:tint val="90000"/>
-                    <a:satMod val="120000"/>
-                  </a:schemeClr>
-                </a:solidFill>
-                <a:effectLst>
-                  <a:outerShdw blurRad="114300" dist="101600" dir="2700000" algn="tl" rotWithShape="0">
-                    <a:srgbClr val="000000">
-                      <a:alpha val="40000"/>
-                    </a:srgbClr>
-                  </a:outerShdw>
-                </a:effectLst>
-                <a:latin typeface="+mj-lt"/>
-                <a:ea typeface="+mj-ea"/>
-                <a:cs typeface="+mj-cs"/>
-              </a:defRPr>
+            <a:lvl1pPr algn="l">
+              <a:defRPr sz="4000" b="0" cap="all"/>
             </a:lvl1pPr>
           </a:lstStyle>
           <a:p>
             <a:r>
-              <a:rPr kumimoji="0" lang="en-US" smtClean="0"/>
+              <a:rPr lang="en-US" smtClean="0"/>
               <a:t>Click to edit Master title style</a:t>
             </a:r>
-            <a:endParaRPr kumimoji="0" lang="en-US"/>
+            <a:endParaRPr lang="en-US" dirty="0"/>
           </a:p>
         </p:txBody>
       </p:sp>
@@ -968,22 +945,24 @@
         </p:nvSpPr>
         <p:spPr>
           <a:xfrm>
-            <a:off x="1764110" y="2764370"/>
-            <a:ext cx="7812484" cy="1664178"/>
+            <a:off x="796300" y="4247068"/>
+            <a:ext cx="6764169" cy="1800673"/>
           </a:xfrm>
         </p:spPr>
         <p:txBody>
-          <a:bodyPr anchor="t"/>
+          <a:bodyPr anchor="b"/>
           <a:lstStyle>
-            <a:lvl1pPr marL="80635" indent="0" algn="l">
+            <a:lvl1pPr marL="0" indent="0">
               <a:buNone/>
               <a:defRPr sz="2200">
                 <a:solidFill>
-                  <a:schemeClr val="tx1"/>
+                  <a:schemeClr val="tx1">
+                    <a:tint val="75000"/>
+                  </a:schemeClr>
                 </a:solidFill>
               </a:defRPr>
             </a:lvl1pPr>
-            <a:lvl2pPr>
+            <a:lvl2pPr marL="503972" indent="0">
               <a:buNone/>
               <a:defRPr sz="2000">
                 <a:solidFill>
@@ -993,7 +972,7 @@
                 </a:solidFill>
               </a:defRPr>
             </a:lvl2pPr>
-            <a:lvl3pPr>
+            <a:lvl3pPr marL="1007943" indent="0">
               <a:buNone/>
               <a:defRPr sz="1800">
                 <a:solidFill>
@@ -1003,7 +982,7 @@
                 </a:solidFill>
               </a:defRPr>
             </a:lvl3pPr>
-            <a:lvl4pPr>
+            <a:lvl4pPr marL="1511915" indent="0">
               <a:buNone/>
               <a:defRPr sz="1500">
                 <a:solidFill>
@@ -1013,7 +992,7 @@
                 </a:solidFill>
               </a:defRPr>
             </a:lvl4pPr>
-            <a:lvl5pPr>
+            <a:lvl5pPr marL="2015886" indent="0">
               <a:buNone/>
               <a:defRPr sz="1500">
                 <a:solidFill>
@@ -1023,11 +1002,51 @@
                 </a:solidFill>
               </a:defRPr>
             </a:lvl5pPr>
+            <a:lvl6pPr marL="2519858" indent="0">
+              <a:buNone/>
+              <a:defRPr sz="1500">
+                <a:solidFill>
+                  <a:schemeClr val="tx1">
+                    <a:tint val="75000"/>
+                  </a:schemeClr>
+                </a:solidFill>
+              </a:defRPr>
+            </a:lvl6pPr>
+            <a:lvl7pPr marL="3023829" indent="0">
+              <a:buNone/>
+              <a:defRPr sz="1500">
+                <a:solidFill>
+                  <a:schemeClr val="tx1">
+                    <a:tint val="75000"/>
+                  </a:schemeClr>
+                </a:solidFill>
+              </a:defRPr>
+            </a:lvl7pPr>
+            <a:lvl8pPr marL="3527801" indent="0">
+              <a:buNone/>
+              <a:defRPr sz="1500">
+                <a:solidFill>
+                  <a:schemeClr val="tx1">
+                    <a:tint val="75000"/>
+                  </a:schemeClr>
+                </a:solidFill>
+              </a:defRPr>
+            </a:lvl8pPr>
+            <a:lvl9pPr marL="4031772" indent="0">
+              <a:buNone/>
+              <a:defRPr sz="1500">
+                <a:solidFill>
+                  <a:schemeClr val="tx1">
+                    <a:tint val="75000"/>
+                  </a:schemeClr>
+                </a:solidFill>
+              </a:defRPr>
+            </a:lvl9pPr>
           </a:lstStyle>
           <a:p>
-            <a:pPr lvl="0" eaLnBrk="1" latinLnBrk="0" hangingPunct="1"/>
-            <a:r>
-              <a:rPr kumimoji="0" lang="en-US" smtClean="0"/>
+            <a:pPr lvl="0"/>
+            <a:r>
+              <a:rPr lang="en-US" smtClean="0"/>
               <a:t>Click to edit Master text styles</a:t>
             </a:r>
           </a:p>
@@ -1090,12 +1109,7 @@
             <p:ph type="sldNum" sz="quarter" idx="12"/>
           </p:nvPr>
         </p:nvSpPr>
-        <p:spPr>
-          <a:xfrm>
-            <a:off x="8736542" y="7073196"/>
-            <a:ext cx="840052" cy="402483"/>
-          </a:xfrm>
-        </p:spPr>
+        <p:spPr/>
         <p:txBody>
           <a:bodyPr/>
           <a:lstStyle/>
@@ -1112,7 +1126,7 @@
     </p:spTree>
   </p:cSld>
   <p:clrMapOvr>
-    <a:overrideClrMapping bg1="dk1" tx1="lt1" bg2="dk2" tx2="lt2" accent1="accent1" accent2="accent2" accent3="accent3" accent4="accent4" accent5="accent5" accent6="accent6" hlink="hlink" folHlink="folHlink"/>
+    <a:masterClrMapping/>
   </p:clrMapOvr>
 </p:sldLayout>
 </file>
@@ -1150,10 +1164,10 @@
           <a:lstStyle/>
           <a:p>
             <a:r>
-              <a:rPr kumimoji="0" lang="en-US" smtClean="0"/>
+              <a:rPr lang="en-US" smtClean="0"/>
               <a:t>Click to edit Master title style</a:t>
             </a:r>
-            <a:endParaRPr kumimoji="0" lang="en-US"/>
+            <a:endParaRPr lang="en-US"/>
           </a:p>
         </p:txBody>
       </p:sp>
@@ -1169,15 +1183,15 @@
         </p:nvSpPr>
         <p:spPr>
           <a:xfrm>
-            <a:off x="504031" y="1763925"/>
-            <a:ext cx="4452276" cy="4989036"/>
+            <a:off x="504031" y="1693367"/>
+            <a:ext cx="4032250" cy="5059942"/>
           </a:xfrm>
         </p:spPr>
         <p:txBody>
           <a:bodyPr/>
           <a:lstStyle>
             <a:lvl1pPr>
-              <a:defRPr sz="2900"/>
+              <a:defRPr sz="3100"/>
             </a:lvl1pPr>
             <a:lvl2pPr>
               <a:defRPr sz="2600"/>
@@ -1191,42 +1205,54 @@
             <a:lvl5pPr>
               <a:defRPr sz="2000"/>
             </a:lvl5pPr>
+            <a:lvl6pPr>
+              <a:defRPr sz="2000"/>
+            </a:lvl6pPr>
+            <a:lvl7pPr>
+              <a:defRPr sz="2000"/>
+            </a:lvl7pPr>
+            <a:lvl8pPr>
+              <a:defRPr sz="2000"/>
+            </a:lvl8pPr>
+            <a:lvl9pPr>
+              <a:defRPr sz="2000"/>
+            </a:lvl9pPr>
           </a:lstStyle>
           <a:p>
-            <a:pPr lvl="0" eaLnBrk="1" latinLnBrk="0" hangingPunct="1"/>
+            <a:pPr lvl="0"/>
             <a:r>
               <a:rPr lang="en-US" smtClean="0"/>
               <a:t>Click to edit Master text styles</a:t>
             </a:r>
           </a:p>
           <a:p>
-            <a:pPr lvl="1" eaLnBrk="1" latinLnBrk="0" hangingPunct="1"/>
+            <a:pPr lvl="1"/>
             <a:r>
               <a:rPr lang="en-US" smtClean="0"/>
               <a:t>Second level</a:t>
             </a:r>
           </a:p>
           <a:p>
-            <a:pPr lvl="2" eaLnBrk="1" latinLnBrk="0" hangingPunct="1"/>
+            <a:pPr lvl="2"/>
             <a:r>
               <a:rPr lang="en-US" smtClean="0"/>
               <a:t>Third level</a:t>
             </a:r>
           </a:p>
           <a:p>
-            <a:pPr lvl="3" eaLnBrk="1" latinLnBrk="0" hangingPunct="1"/>
+            <a:pPr lvl="3"/>
             <a:r>
               <a:rPr lang="en-US" smtClean="0"/>
               <a:t>Fourth level</a:t>
             </a:r>
           </a:p>
           <a:p>
-            <a:pPr lvl="4" eaLnBrk="1" latinLnBrk="0" hangingPunct="1"/>
+            <a:pPr lvl="4"/>
             <a:r>
               <a:rPr lang="en-US" smtClean="0"/>
               <a:t>Fifth level</a:t>
             </a:r>
-            <a:endParaRPr kumimoji="0" lang="en-US"/>
+            <a:endParaRPr lang="en-US" dirty="0"/>
           </a:p>
         </p:txBody>
       </p:sp>
@@ -1242,15 +1268,15 @@
         </p:nvSpPr>
         <p:spPr>
           <a:xfrm>
-            <a:off x="5124318" y="1763925"/>
-            <a:ext cx="4452276" cy="4989036"/>
+            <a:off x="4872302" y="1693367"/>
+            <a:ext cx="4032250" cy="5059942"/>
           </a:xfrm>
         </p:spPr>
         <p:txBody>
           <a:bodyPr/>
           <a:lstStyle>
             <a:lvl1pPr>
-              <a:defRPr sz="2900"/>
+              <a:defRPr sz="3100"/>
             </a:lvl1pPr>
             <a:lvl2pPr>
               <a:defRPr sz="2600"/>
@@ -1264,42 +1290,54 @@
             <a:lvl5pPr>
               <a:defRPr sz="2000"/>
             </a:lvl5pPr>
+            <a:lvl6pPr>
+              <a:defRPr sz="2000"/>
+            </a:lvl6pPr>
+            <a:lvl7pPr>
+              <a:defRPr sz="2000"/>
+            </a:lvl7pPr>
+            <a:lvl8pPr>
+              <a:defRPr sz="2000"/>
+            </a:lvl8pPr>
+            <a:lvl9pPr>
+              <a:defRPr sz="2000"/>
+            </a:lvl9pPr>
           </a:lstStyle>
           <a:p>
-            <a:pPr lvl="0" eaLnBrk="1" latinLnBrk="0" hangingPunct="1"/>
+            <a:pPr lvl="0"/>
             <a:r>
               <a:rPr lang="en-US" smtClean="0"/>
               <a:t>Click to edit Master text styles</a:t>
             </a:r>
           </a:p>
           <a:p>
-            <a:pPr lvl="1" eaLnBrk="1" latinLnBrk="0" hangingPunct="1"/>
+            <a:pPr lvl="1"/>
             <a:r>
               <a:rPr lang="en-US" smtClean="0"/>
               <a:t>Second level</a:t>
             </a:r>
           </a:p>
           <a:p>
-            <a:pPr lvl="2" eaLnBrk="1" latinLnBrk="0" hangingPunct="1"/>
+            <a:pPr lvl="2"/>
             <a:r>
               <a:rPr lang="en-US" smtClean="0"/>
               <a:t>Third level</a:t>
             </a:r>
           </a:p>
           <a:p>
-            <a:pPr lvl="3" eaLnBrk="1" latinLnBrk="0" hangingPunct="1"/>
+            <a:pPr lvl="3"/>
             <a:r>
               <a:rPr lang="en-US" smtClean="0"/>
               <a:t>Fourth level</a:t>
             </a:r>
           </a:p>
           <a:p>
-            <a:pPr lvl="4" eaLnBrk="1" latinLnBrk="0" hangingPunct="1"/>
+            <a:pPr lvl="4"/>
             <a:r>
               <a:rPr lang="en-US" smtClean="0"/>
               <a:t>Fifth level</a:t>
             </a:r>
-            <a:endParaRPr kumimoji="0" lang="en-US"/>
+            <a:endParaRPr lang="en-US" dirty="0"/>
           </a:p>
         </p:txBody>
       </p:sp>
@@ -1409,14 +1447,9 @@
             <p:ph type="title"/>
           </p:nvPr>
         </p:nvSpPr>
-        <p:spPr>
-          <a:xfrm>
-            <a:off x="504031" y="300987"/>
-            <a:ext cx="9072563" cy="1259946"/>
-          </a:xfrm>
-        </p:spPr>
-        <p:txBody>
-          <a:bodyPr anchor="ctr"/>
+        <p:spPr/>
+        <p:txBody>
+          <a:bodyPr/>
           <a:lstStyle>
             <a:lvl1pPr>
               <a:defRPr/>
@@ -1424,10 +1457,10 @@
           </a:lstStyle>
           <a:p>
             <a:r>
-              <a:rPr kumimoji="0" lang="en-US" smtClean="0"/>
+              <a:rPr lang="en-US" smtClean="0"/>
               <a:t>Click to edit Master title style</a:t>
             </a:r>
-            <a:endParaRPr kumimoji="0" lang="en-US"/>
+            <a:endParaRPr lang="en-US"/>
           </a:p>
         </p:txBody>
       </p:sp>
@@ -1443,42 +1476,60 @@
         </p:nvSpPr>
         <p:spPr>
           <a:xfrm>
-            <a:off x="504031" y="1692177"/>
-            <a:ext cx="4454027" cy="827714"/>
+            <a:off x="504031" y="1692178"/>
+            <a:ext cx="4032250" cy="705219"/>
           </a:xfrm>
         </p:spPr>
         <p:txBody>
-          <a:bodyPr anchor="ctr"/>
+          <a:bodyPr anchor="b">
+            <a:noAutofit/>
+          </a:bodyPr>
           <a:lstStyle>
-            <a:lvl1pPr marL="0" indent="0">
-              <a:buNone/>
-              <a:defRPr sz="2600" b="0" cap="all" baseline="0">
+            <a:lvl1pPr marL="0" indent="0" algn="ctr">
+              <a:buNone/>
+              <a:defRPr sz="2200" b="1">
                 <a:solidFill>
-                  <a:schemeClr val="tx1"/>
+                  <a:schemeClr val="tx2"/>
                 </a:solidFill>
               </a:defRPr>
             </a:lvl1pPr>
-            <a:lvl2pPr>
+            <a:lvl2pPr marL="503972" indent="0">
               <a:buNone/>
               <a:defRPr sz="2200" b="1"/>
             </a:lvl2pPr>
-            <a:lvl3pPr>
+            <a:lvl3pPr marL="1007943" indent="0">
               <a:buNone/>
               <a:defRPr sz="2000" b="1"/>
             </a:lvl3pPr>
-            <a:lvl4pPr>
+            <a:lvl4pPr marL="1511915" indent="0">
               <a:buNone/>
               <a:defRPr sz="1800" b="1"/>
             </a:lvl4pPr>
-            <a:lvl5pPr>
+            <a:lvl5pPr marL="2015886" indent="0">
               <a:buNone/>
               <a:defRPr sz="1800" b="1"/>
             </a:lvl5pPr>
+            <a:lvl6pPr marL="2519858" indent="0">
+              <a:buNone/>
+              <a:defRPr sz="1800" b="1"/>
+            </a:lvl6pPr>
+            <a:lvl7pPr marL="3023829" indent="0">
+              <a:buNone/>
+              <a:defRPr sz="1800" b="1"/>
+            </a:lvl7pPr>
+            <a:lvl8pPr marL="3527801" indent="0">
+              <a:buNone/>
+              <a:defRPr sz="1800" b="1"/>
+            </a:lvl8pPr>
+            <a:lvl9pPr marL="4031772" indent="0">
+              <a:buNone/>
+              <a:defRPr sz="1800" b="1"/>
+            </a:lvl9pPr>
           </a:lstStyle>
           <a:p>
-            <a:pPr lvl="0" eaLnBrk="1" latinLnBrk="0" hangingPunct="1"/>
-            <a:r>
-              <a:rPr kumimoji="0" lang="en-US" smtClean="0"/>
+            <a:pPr lvl="0"/>
+            <a:r>
+              <a:rPr lang="en-US" smtClean="0"/>
               <a:t>Click to edit Master text styles</a:t>
             </a:r>
           </a:p>
@@ -1486,71 +1537,18 @@
       </p:sp>
       <p:sp>
         <p:nvSpPr>
-          <p:cNvPr id="4" name="Text Placeholder 3"/>
-          <p:cNvSpPr>
-            <a:spLocks noGrp="1"/>
-          </p:cNvSpPr>
-          <p:nvPr>
-            <p:ph type="body" sz="half" idx="3"/>
+          <p:cNvPr id="4" name="Content Placeholder 3"/>
+          <p:cNvSpPr>
+            <a:spLocks noGrp="1"/>
+          </p:cNvSpPr>
+          <p:nvPr>
+            <p:ph sz="half" idx="2"/>
           </p:nvPr>
         </p:nvSpPr>
         <p:spPr>
           <a:xfrm>
-            <a:off x="5120818" y="1692177"/>
-            <a:ext cx="4455776" cy="827714"/>
-          </a:xfrm>
-        </p:spPr>
-        <p:txBody>
-          <a:bodyPr anchor="ctr"/>
-          <a:lstStyle>
-            <a:lvl1pPr marL="0" indent="0">
-              <a:buNone/>
-              <a:defRPr sz="2600" b="0" cap="all" baseline="0">
-                <a:solidFill>
-                  <a:schemeClr val="tx1"/>
-                </a:solidFill>
-              </a:defRPr>
-            </a:lvl1pPr>
-            <a:lvl2pPr>
-              <a:buNone/>
-              <a:defRPr sz="2200" b="1"/>
-            </a:lvl2pPr>
-            <a:lvl3pPr>
-              <a:buNone/>
-              <a:defRPr sz="2000" b="1"/>
-            </a:lvl3pPr>
-            <a:lvl4pPr>
-              <a:buNone/>
-              <a:defRPr sz="1800" b="1"/>
-            </a:lvl4pPr>
-            <a:lvl5pPr>
-              <a:buNone/>
-              <a:defRPr sz="1800" b="1"/>
-            </a:lvl5pPr>
-          </a:lstStyle>
-          <a:p>
-            <a:pPr lvl="0" eaLnBrk="1" latinLnBrk="0" hangingPunct="1"/>
-            <a:r>
-              <a:rPr kumimoji="0" lang="en-US" smtClean="0"/>
-              <a:t>Click to edit Master text styles</a:t>
-            </a:r>
-          </a:p>
-        </p:txBody>
-      </p:sp>
-      <p:sp>
-        <p:nvSpPr>
-          <p:cNvPr id="5" name="Content Placeholder 4"/>
-          <p:cNvSpPr>
-            <a:spLocks noGrp="1"/>
-          </p:cNvSpPr>
-          <p:nvPr>
-            <p:ph sz="quarter" idx="2"/>
-          </p:nvPr>
-        </p:nvSpPr>
-        <p:spPr>
-          <a:xfrm>
-            <a:off x="504031" y="2603889"/>
-            <a:ext cx="4454027" cy="4149072"/>
+            <a:off x="504031" y="2397397"/>
+            <a:ext cx="4032250" cy="4355563"/>
           </a:xfrm>
         </p:spPr>
         <p:txBody>
@@ -1571,59 +1569,142 @@
             <a:lvl5pPr>
               <a:defRPr sz="1800"/>
             </a:lvl5pPr>
+            <a:lvl6pPr>
+              <a:defRPr sz="1800"/>
+            </a:lvl6pPr>
+            <a:lvl7pPr>
+              <a:defRPr sz="1800"/>
+            </a:lvl7pPr>
+            <a:lvl8pPr>
+              <a:defRPr sz="1800"/>
+            </a:lvl8pPr>
+            <a:lvl9pPr>
+              <a:defRPr sz="1800"/>
+            </a:lvl9pPr>
           </a:lstStyle>
           <a:p>
-            <a:pPr lvl="0" eaLnBrk="1" latinLnBrk="0" hangingPunct="1"/>
+            <a:pPr lvl="0"/>
             <a:r>
               <a:rPr lang="en-US" smtClean="0"/>
               <a:t>Click to edit Master text styles</a:t>
             </a:r>
           </a:p>
           <a:p>
-            <a:pPr lvl="1" eaLnBrk="1" latinLnBrk="0" hangingPunct="1"/>
+            <a:pPr lvl="1"/>
             <a:r>
               <a:rPr lang="en-US" smtClean="0"/>
               <a:t>Second level</a:t>
             </a:r>
           </a:p>
           <a:p>
-            <a:pPr lvl="2" eaLnBrk="1" latinLnBrk="0" hangingPunct="1"/>
+            <a:pPr lvl="2"/>
             <a:r>
               <a:rPr lang="en-US" smtClean="0"/>
               <a:t>Third level</a:t>
             </a:r>
           </a:p>
           <a:p>
-            <a:pPr lvl="3" eaLnBrk="1" latinLnBrk="0" hangingPunct="1"/>
+            <a:pPr lvl="3"/>
             <a:r>
               <a:rPr lang="en-US" smtClean="0"/>
               <a:t>Fourth level</a:t>
             </a:r>
           </a:p>
           <a:p>
-            <a:pPr lvl="4" eaLnBrk="1" latinLnBrk="0" hangingPunct="1"/>
+            <a:pPr lvl="4"/>
             <a:r>
               <a:rPr lang="en-US" smtClean="0"/>
               <a:t>Fifth level</a:t>
             </a:r>
-            <a:endParaRPr kumimoji="0" lang="en-US"/>
-          </a:p>
-        </p:txBody>
-      </p:sp>
-      <p:sp>
-        <p:nvSpPr>
-          <p:cNvPr id="6" name="Content Placeholder 5"/>
-          <p:cNvSpPr>
-            <a:spLocks noGrp="1"/>
-          </p:cNvSpPr>
-          <p:nvPr>
-            <p:ph sz="quarter" idx="4"/>
+            <a:endParaRPr lang="en-US" dirty="0"/>
+          </a:p>
+        </p:txBody>
+      </p:sp>
+      <p:sp>
+        <p:nvSpPr>
+          <p:cNvPr id="5" name="Text Placeholder 4"/>
+          <p:cNvSpPr>
+            <a:spLocks noGrp="1"/>
+          </p:cNvSpPr>
+          <p:nvPr>
+            <p:ph type="body" sz="quarter" idx="3"/>
           </p:nvPr>
         </p:nvSpPr>
         <p:spPr>
           <a:xfrm>
-            <a:off x="5120818" y="2603889"/>
-            <a:ext cx="4455776" cy="4149072"/>
+            <a:off x="4872302" y="1692178"/>
+            <a:ext cx="4032250" cy="705219"/>
+          </a:xfrm>
+        </p:spPr>
+        <p:txBody>
+          <a:bodyPr anchor="b">
+            <a:noAutofit/>
+          </a:bodyPr>
+          <a:lstStyle>
+            <a:lvl1pPr marL="0" indent="0" algn="ctr">
+              <a:buNone/>
+              <a:defRPr sz="2200" b="1">
+                <a:solidFill>
+                  <a:schemeClr val="tx2"/>
+                </a:solidFill>
+              </a:defRPr>
+            </a:lvl1pPr>
+            <a:lvl2pPr marL="503972" indent="0">
+              <a:buNone/>
+              <a:defRPr sz="2200" b="1"/>
+            </a:lvl2pPr>
+            <a:lvl3pPr marL="1007943" indent="0">
+              <a:buNone/>
+              <a:defRPr sz="2000" b="1"/>
+            </a:lvl3pPr>
+            <a:lvl4pPr marL="1511915" indent="0">
+              <a:buNone/>
+              <a:defRPr sz="1800" b="1"/>
+            </a:lvl4pPr>
+            <a:lvl5pPr marL="2015886" indent="0">
+              <a:buNone/>
+              <a:defRPr sz="1800" b="1"/>
+            </a:lvl5pPr>
+            <a:lvl6pPr marL="2519858" indent="0">
+              <a:buNone/>
+              <a:defRPr sz="1800" b="1"/>
+            </a:lvl6pPr>
+            <a:lvl7pPr marL="3023829" indent="0">
+              <a:buNone/>
+              <a:defRPr sz="1800" b="1"/>
+            </a:lvl7pPr>
+            <a:lvl8pPr marL="3527801" indent="0">
+              <a:buNone/>
+              <a:defRPr sz="1800" b="1"/>
+            </a:lvl8pPr>
+            <a:lvl9pPr marL="4031772" indent="0">
+              <a:buNone/>
+              <a:defRPr sz="1800" b="1"/>
+            </a:lvl9pPr>
+          </a:lstStyle>
+          <a:p>
+            <a:pPr lvl="0"/>
+            <a:r>
+              <a:rPr lang="en-US" smtClean="0"/>
+              <a:t>Click to edit Master text styles</a:t>
+            </a:r>
+          </a:p>
+        </p:txBody>
+      </p:sp>
+      <p:sp>
+        <p:nvSpPr>
+          <p:cNvPr id="6" name="Content Placeholder 5"/>
+          <p:cNvSpPr>
+            <a:spLocks noGrp="1"/>
+          </p:cNvSpPr>
+          <p:nvPr>
+            <p:ph sz="quarter" idx="4"/>
+          </p:nvPr>
+        </p:nvSpPr>
+        <p:spPr>
+          <a:xfrm>
+            <a:off x="4872302" y="2397397"/>
+            <a:ext cx="4032250" cy="4355563"/>
           </a:xfrm>
         </p:spPr>
         <p:txBody>
@@ -1644,42 +1725,54 @@
             <a:lvl5pPr>
               <a:defRPr sz="1800"/>
             </a:lvl5pPr>
+            <a:lvl6pPr>
+              <a:defRPr sz="1800"/>
+            </a:lvl6pPr>
+            <a:lvl7pPr>
+              <a:defRPr sz="1800"/>
+            </a:lvl7pPr>
+            <a:lvl8pPr>
+              <a:defRPr sz="1800"/>
+            </a:lvl8pPr>
+            <a:lvl9pPr>
+              <a:defRPr sz="1800"/>
+            </a:lvl9pPr>
           </a:lstStyle>
           <a:p>
-            <a:pPr lvl="0" eaLnBrk="1" latinLnBrk="0" hangingPunct="1"/>
+            <a:pPr lvl="0"/>
             <a:r>
               <a:rPr lang="en-US" smtClean="0"/>
               <a:t>Click to edit Master text styles</a:t>
             </a:r>
           </a:p>
           <a:p>
-            <a:pPr lvl="1" eaLnBrk="1" latinLnBrk="0" hangingPunct="1"/>
+            <a:pPr lvl="1"/>
             <a:r>
               <a:rPr lang="en-US" smtClean="0"/>
               <a:t>Second level</a:t>
             </a:r>
           </a:p>
           <a:p>
-            <a:pPr lvl="2" eaLnBrk="1" latinLnBrk="0" hangingPunct="1"/>
+            <a:pPr lvl="2"/>
             <a:r>
               <a:rPr lang="en-US" smtClean="0"/>
               <a:t>Third level</a:t>
             </a:r>
           </a:p>
           <a:p>
-            <a:pPr lvl="3" eaLnBrk="1" latinLnBrk="0" hangingPunct="1"/>
+            <a:pPr lvl="3"/>
             <a:r>
               <a:rPr lang="en-US" smtClean="0"/>
               <a:t>Fourth level</a:t>
             </a:r>
           </a:p>
           <a:p>
-            <a:pPr lvl="4" eaLnBrk="1" latinLnBrk="0" hangingPunct="1"/>
+            <a:pPr lvl="4"/>
             <a:r>
               <a:rPr lang="en-US" smtClean="0"/>
               <a:t>Fifth level</a:t>
             </a:r>
-            <a:endParaRPr kumimoji="0" lang="en-US"/>
+            <a:endParaRPr lang="en-US"/>
           </a:p>
         </p:txBody>
       </p:sp>
@@ -1795,10 +1888,10 @@
           <a:lstStyle/>
           <a:p>
             <a:r>
-              <a:rPr kumimoji="0" lang="en-US" smtClean="0"/>
+              <a:rPr lang="en-US" smtClean="0"/>
               <a:t>Click to edit Master title style</a:t>
             </a:r>
-            <a:endParaRPr kumimoji="0" lang="en-US"/>
+            <a:endParaRPr lang="en-US"/>
           </a:p>
         </p:txBody>
       </p:sp>
@@ -1819,7 +1912,7 @@
           <a:p>
             <a:fld id="{429754B6-2C37-4935-B4F6-52A568AA86E4}" type="datetimeFigureOut">
               <a:rPr lang="en-US" smtClean="0"/>
-              <a:t>5/8/2013</a:t>
+              <a:t>5/9/2013</a:t>
             </a:fld>
             <a:endParaRPr lang="en-US"/>
           </a:p>
@@ -2000,229 +2093,217 @@
         </p:nvSpPr>
         <p:spPr>
           <a:xfrm>
-            <a:off x="504032" y="300987"/>
-            <a:ext cx="3316456" cy="1280945"/>
+            <a:off x="336022" y="6057819"/>
+            <a:ext cx="8568531" cy="655172"/>
           </a:xfrm>
         </p:spPr>
         <p:txBody>
-          <a:bodyPr vert="horz" anchor="b">
+          <a:bodyPr anchor="b"/>
+          <a:lstStyle>
+            <a:lvl1pPr algn="ctr">
+              <a:defRPr sz="2400" b="1"/>
+            </a:lvl1pPr>
+          </a:lstStyle>
+          <a:p>
+            <a:r>
+              <a:rPr lang="en-US" smtClean="0"/>
+              <a:t>Click to edit Master title style</a:t>
+            </a:r>
+            <a:endParaRPr lang="en-US" dirty="0"/>
+          </a:p>
+        </p:txBody>
+      </p:sp>
+      <p:sp>
+        <p:nvSpPr>
+          <p:cNvPr id="4" name="Text Placeholder 3"/>
+          <p:cNvSpPr>
+            <a:spLocks noGrp="1"/>
+          </p:cNvSpPr>
+          <p:nvPr>
+            <p:ph type="body" sz="half" idx="2"/>
+          </p:nvPr>
+        </p:nvSpPr>
+        <p:spPr>
+          <a:xfrm>
+            <a:off x="336020" y="6719711"/>
+            <a:ext cx="8568532" cy="671971"/>
+          </a:xfrm>
+        </p:spPr>
+        <p:txBody>
+          <a:bodyPr>
             <a:normAutofit/>
-            <a:sp3d prstMaterial="softEdge"/>
           </a:bodyPr>
           <a:lstStyle>
-            <a:lvl1pPr algn="l">
-              <a:buNone/>
-              <a:defRPr sz="2400" b="0">
-                <a:ln w="6350">
-                  <a:noFill/>
-                </a:ln>
-                <a:solidFill>
-                  <a:schemeClr val="accent1">
-                    <a:tint val="73000"/>
-                    <a:satMod val="180000"/>
-                  </a:schemeClr>
-                </a:solidFill>
-              </a:defRPr>
+            <a:lvl1pPr marL="0" indent="0" algn="ctr">
+              <a:buNone/>
+              <a:defRPr sz="1800"/>
             </a:lvl1pPr>
+            <a:lvl2pPr marL="503972" indent="0">
+              <a:buNone/>
+              <a:defRPr sz="1300"/>
+            </a:lvl2pPr>
+            <a:lvl3pPr marL="1007943" indent="0">
+              <a:buNone/>
+              <a:defRPr sz="1100"/>
+            </a:lvl3pPr>
+            <a:lvl4pPr marL="1511915" indent="0">
+              <a:buNone/>
+              <a:defRPr sz="1000"/>
+            </a:lvl4pPr>
+            <a:lvl5pPr marL="2015886" indent="0">
+              <a:buNone/>
+              <a:defRPr sz="1000"/>
+            </a:lvl5pPr>
+            <a:lvl6pPr marL="2519858" indent="0">
+              <a:buNone/>
+              <a:defRPr sz="1000"/>
+            </a:lvl6pPr>
+            <a:lvl7pPr marL="3023829" indent="0">
+              <a:buNone/>
+              <a:defRPr sz="1000"/>
+            </a:lvl7pPr>
+            <a:lvl8pPr marL="3527801" indent="0">
+              <a:buNone/>
+              <a:defRPr sz="1000"/>
+            </a:lvl8pPr>
+            <a:lvl9pPr marL="4031772" indent="0">
+              <a:buNone/>
+              <a:defRPr sz="1000"/>
+            </a:lvl9pPr>
           </a:lstStyle>
           <a:p>
-            <a:r>
-              <a:rPr kumimoji="0" lang="en-US" smtClean="0"/>
-              <a:t>Click to edit Master title style</a:t>
-            </a:r>
-            <a:endParaRPr kumimoji="0" lang="en-US"/>
-          </a:p>
-        </p:txBody>
-      </p:sp>
-      <p:sp>
-        <p:nvSpPr>
-          <p:cNvPr id="3" name="Text Placeholder 2"/>
-          <p:cNvSpPr>
-            <a:spLocks noGrp="1"/>
-          </p:cNvSpPr>
-          <p:nvPr>
-            <p:ph type="body" idx="2"/>
+            <a:pPr lvl="0"/>
+            <a:r>
+              <a:rPr lang="en-US" smtClean="0"/>
+              <a:t>Click to edit Master text styles</a:t>
+            </a:r>
+          </a:p>
+        </p:txBody>
+      </p:sp>
+      <p:sp>
+        <p:nvSpPr>
+          <p:cNvPr id="5" name="Date Placeholder 4"/>
+          <p:cNvSpPr>
+            <a:spLocks noGrp="1"/>
+          </p:cNvSpPr>
+          <p:nvPr>
+            <p:ph type="dt" sz="half" idx="10"/>
+          </p:nvPr>
+        </p:nvSpPr>
+        <p:spPr/>
+        <p:txBody>
+          <a:bodyPr/>
+          <a:lstStyle/>
+          <a:p>
+            <a:r>
+              <a:rPr lang="en-US" smtClean="0"/>
+              <a:t>&lt;date/time&gt;</a:t>
+            </a:r>
+            <a:endParaRPr lang="en-US"/>
+          </a:p>
+        </p:txBody>
+      </p:sp>
+      <p:sp>
+        <p:nvSpPr>
+          <p:cNvPr id="6" name="Footer Placeholder 5"/>
+          <p:cNvSpPr>
+            <a:spLocks noGrp="1"/>
+          </p:cNvSpPr>
+          <p:nvPr>
+            <p:ph type="ftr" sz="quarter" idx="11"/>
+          </p:nvPr>
+        </p:nvSpPr>
+        <p:spPr/>
+        <p:txBody>
+          <a:bodyPr/>
+          <a:lstStyle/>
+          <a:p>
+            <a:pPr algn="ctr"/>
+            <a:r>
+              <a:rPr lang="en-US" smtClean="0"/>
+              <a:t>&lt;footer&gt;</a:t>
+            </a:r>
+            <a:endParaRPr lang="en-US"/>
+          </a:p>
+        </p:txBody>
+      </p:sp>
+      <p:sp>
+        <p:nvSpPr>
+          <p:cNvPr id="7" name="Slide Number Placeholder 6"/>
+          <p:cNvSpPr>
+            <a:spLocks noGrp="1"/>
+          </p:cNvSpPr>
+          <p:nvPr>
+            <p:ph type="sldNum" sz="quarter" idx="12"/>
+          </p:nvPr>
+        </p:nvSpPr>
+        <p:spPr/>
+        <p:txBody>
+          <a:bodyPr/>
+          <a:lstStyle/>
+          <a:p>
+            <a:pPr algn="r"/>
+            <a:fld id="{411141F1-F1E1-41A1-A171-B1A141D15131}" type="slidenum">
+              <a:rPr lang="en-US" smtClean="0"/>
+              <a:t>‹#›</a:t>
+            </a:fld>
+            <a:endParaRPr lang="en-US"/>
+          </a:p>
+        </p:txBody>
+      </p:sp>
+      <p:sp>
+        <p:nvSpPr>
+          <p:cNvPr id="9" name="Content Placeholder 8"/>
+          <p:cNvSpPr>
+            <a:spLocks noGrp="1"/>
+          </p:cNvSpPr>
+          <p:nvPr>
+            <p:ph sz="quarter" idx="13"/>
           </p:nvPr>
         </p:nvSpPr>
         <p:spPr>
           <a:xfrm>
-            <a:off x="504032" y="1679929"/>
-            <a:ext cx="3316456" cy="5073032"/>
+            <a:off x="336021" y="419982"/>
+            <a:ext cx="8568531" cy="5448566"/>
           </a:xfrm>
         </p:spPr>
         <p:txBody>
           <a:bodyPr/>
-          <a:lstStyle>
-            <a:lvl1pPr marL="0" indent="0">
-              <a:buNone/>
-              <a:defRPr sz="1500"/>
-            </a:lvl1pPr>
-            <a:lvl2pPr>
-              <a:buNone/>
-              <a:defRPr sz="1300"/>
-            </a:lvl2pPr>
-            <a:lvl3pPr>
-              <a:buNone/>
-              <a:defRPr sz="1100"/>
-            </a:lvl3pPr>
-            <a:lvl4pPr>
-              <a:buNone/>
-              <a:defRPr sz="1000"/>
-            </a:lvl4pPr>
-            <a:lvl5pPr>
-              <a:buNone/>
-              <a:defRPr sz="1000"/>
-            </a:lvl5pPr>
-          </a:lstStyle>
-          <a:p>
-            <a:pPr lvl="0" eaLnBrk="1" latinLnBrk="0" hangingPunct="1"/>
-            <a:r>
-              <a:rPr kumimoji="0" lang="en-US" smtClean="0"/>
+          <a:lstStyle/>
+          <a:p>
+            <a:pPr lvl="0"/>
+            <a:r>
+              <a:rPr lang="en-US" smtClean="0"/>
               <a:t>Click to edit Master text styles</a:t>
             </a:r>
           </a:p>
-        </p:txBody>
-      </p:sp>
-      <p:sp>
-        <p:nvSpPr>
-          <p:cNvPr id="4" name="Content Placeholder 3"/>
-          <p:cNvSpPr>
-            <a:spLocks noGrp="1"/>
-          </p:cNvSpPr>
-          <p:nvPr>
-            <p:ph sz="half" idx="1"/>
-          </p:nvPr>
-        </p:nvSpPr>
-        <p:spPr>
-          <a:xfrm>
-            <a:off x="3941245" y="300988"/>
-            <a:ext cx="5635349" cy="6451973"/>
-          </a:xfrm>
-        </p:spPr>
-        <p:txBody>
-          <a:bodyPr/>
-          <a:lstStyle>
-            <a:lvl1pPr>
-              <a:defRPr sz="2900"/>
-            </a:lvl1pPr>
-            <a:lvl2pPr>
-              <a:defRPr sz="2600"/>
-            </a:lvl2pPr>
-            <a:lvl3pPr>
-              <a:defRPr sz="2400"/>
-            </a:lvl3pPr>
-            <a:lvl4pPr>
-              <a:defRPr sz="2200"/>
-            </a:lvl4pPr>
-            <a:lvl5pPr>
-              <a:defRPr sz="2000"/>
-            </a:lvl5pPr>
-          </a:lstStyle>
-          <a:p>
-            <a:pPr lvl="0" eaLnBrk="1" latinLnBrk="0" hangingPunct="1"/>
-            <a:r>
-              <a:rPr lang="en-US" smtClean="0"/>
-              <a:t>Click to edit Master text styles</a:t>
-            </a:r>
-          </a:p>
-          <a:p>
-            <a:pPr lvl="1" eaLnBrk="1" latinLnBrk="0" hangingPunct="1"/>
+          <a:p>
+            <a:pPr lvl="1"/>
             <a:r>
               <a:rPr lang="en-US" smtClean="0"/>
               <a:t>Second level</a:t>
             </a:r>
           </a:p>
           <a:p>
-            <a:pPr lvl="2" eaLnBrk="1" latinLnBrk="0" hangingPunct="1"/>
+            <a:pPr lvl="2"/>
             <a:r>
               <a:rPr lang="en-US" smtClean="0"/>
               <a:t>Third level</a:t>
             </a:r>
           </a:p>
           <a:p>
-            <a:pPr lvl="3" eaLnBrk="1" latinLnBrk="0" hangingPunct="1"/>
+            <a:pPr lvl="3"/>
             <a:r>
               <a:rPr lang="en-US" smtClean="0"/>
               <a:t>Fourth level</a:t>
             </a:r>
           </a:p>
           <a:p>
-            <a:pPr lvl="4" eaLnBrk="1" latinLnBrk="0" hangingPunct="1"/>
+            <a:pPr lvl="4"/>
             <a:r>
               <a:rPr lang="en-US" smtClean="0"/>
               <a:t>Fifth level</a:t>
             </a:r>
-            <a:endParaRPr kumimoji="0" lang="en-US"/>
-          </a:p>
-        </p:txBody>
-      </p:sp>
-      <p:sp>
-        <p:nvSpPr>
-          <p:cNvPr id="5" name="Date Placeholder 4"/>
-          <p:cNvSpPr>
-            <a:spLocks noGrp="1"/>
-          </p:cNvSpPr>
-          <p:nvPr>
-            <p:ph type="dt" sz="half" idx="10"/>
-          </p:nvPr>
-        </p:nvSpPr>
-        <p:spPr/>
-        <p:txBody>
-          <a:bodyPr/>
-          <a:lstStyle/>
-          <a:p>
-            <a:r>
-              <a:rPr lang="en-US" smtClean="0"/>
-              <a:t>&lt;date/time&gt;</a:t>
-            </a:r>
-            <a:endParaRPr lang="en-US"/>
-          </a:p>
-        </p:txBody>
-      </p:sp>
-      <p:sp>
-        <p:nvSpPr>
-          <p:cNvPr id="6" name="Footer Placeholder 5"/>
-          <p:cNvSpPr>
-            <a:spLocks noGrp="1"/>
-          </p:cNvSpPr>
-          <p:nvPr>
-            <p:ph type="ftr" sz="quarter" idx="11"/>
-          </p:nvPr>
-        </p:nvSpPr>
-        <p:spPr/>
-        <p:txBody>
-          <a:bodyPr/>
-          <a:lstStyle/>
-          <a:p>
-            <a:pPr algn="ctr"/>
-            <a:r>
-              <a:rPr lang="en-US" smtClean="0"/>
-              <a:t>&lt;footer&gt;</a:t>
-            </a:r>
-            <a:endParaRPr lang="en-US"/>
-          </a:p>
-        </p:txBody>
-      </p:sp>
-      <p:sp>
-        <p:nvSpPr>
-          <p:cNvPr id="7" name="Slide Number Placeholder 6"/>
-          <p:cNvSpPr>
-            <a:spLocks noGrp="1"/>
-          </p:cNvSpPr>
-          <p:nvPr>
-            <p:ph type="sldNum" sz="quarter" idx="12"/>
-          </p:nvPr>
-        </p:nvSpPr>
-        <p:spPr/>
-        <p:txBody>
-          <a:bodyPr/>
-          <a:lstStyle/>
-          <a:p>
-            <a:pPr algn="r"/>
-            <a:fld id="{411141F1-F1E1-41A1-A171-B1A141D15131}" type="slidenum">
-              <a:rPr lang="en-US" smtClean="0"/>
-              <a:t>‹#›</a:t>
-            </a:fld>
             <a:endParaRPr lang="en-US"/>
           </a:p>
         </p:txBody>
@@ -2264,163 +2345,160 @@
         </p:nvSpPr>
         <p:spPr>
           <a:xfrm>
-            <a:off x="2016125" y="671971"/>
-            <a:ext cx="6048375" cy="575726"/>
+            <a:off x="332661" y="6057526"/>
+            <a:ext cx="8568531" cy="655465"/>
           </a:xfrm>
         </p:spPr>
         <p:txBody>
-          <a:bodyPr lIns="50397" rIns="50397" bIns="0" anchor="b">
-            <a:sp3d prstMaterial="softEdge"/>
+          <a:bodyPr anchor="b"/>
+          <a:lstStyle>
+            <a:lvl1pPr algn="ctr">
+              <a:defRPr sz="2400" b="1">
+                <a:ln>
+                  <a:noFill/>
+                </a:ln>
+                <a:solidFill>
+                  <a:schemeClr val="tx2"/>
+                </a:solidFill>
+              </a:defRPr>
+            </a:lvl1pPr>
+          </a:lstStyle>
+          <a:p>
+            <a:r>
+              <a:rPr lang="en-US" smtClean="0"/>
+              <a:t>Click to edit Master title style</a:t>
+            </a:r>
+            <a:endParaRPr lang="en-US" dirty="0"/>
+          </a:p>
+        </p:txBody>
+      </p:sp>
+      <p:sp>
+        <p:nvSpPr>
+          <p:cNvPr id="3" name="Picture Placeholder 2"/>
+          <p:cNvSpPr>
+            <a:spLocks noGrp="1"/>
+          </p:cNvSpPr>
+          <p:nvPr>
+            <p:ph type="pic" idx="1"/>
+          </p:nvPr>
+        </p:nvSpPr>
+        <p:spPr>
+          <a:xfrm>
+            <a:off x="0" y="0"/>
+            <a:ext cx="9324578" cy="6047740"/>
+          </a:xfrm>
+        </p:spPr>
+        <p:txBody>
+          <a:bodyPr/>
+          <a:lstStyle>
+            <a:lvl1pPr marL="0" indent="0">
+              <a:buNone/>
+              <a:defRPr sz="3500"/>
+            </a:lvl1pPr>
+            <a:lvl2pPr marL="503972" indent="0">
+              <a:buNone/>
+              <a:defRPr sz="3100"/>
+            </a:lvl2pPr>
+            <a:lvl3pPr marL="1007943" indent="0">
+              <a:buNone/>
+              <a:defRPr sz="2600"/>
+            </a:lvl3pPr>
+            <a:lvl4pPr marL="1511915" indent="0">
+              <a:buNone/>
+              <a:defRPr sz="2200"/>
+            </a:lvl4pPr>
+            <a:lvl5pPr marL="2015886" indent="0">
+              <a:buNone/>
+              <a:defRPr sz="2200"/>
+            </a:lvl5pPr>
+            <a:lvl6pPr marL="2519858" indent="0">
+              <a:buNone/>
+              <a:defRPr sz="2200"/>
+            </a:lvl6pPr>
+            <a:lvl7pPr marL="3023829" indent="0">
+              <a:buNone/>
+              <a:defRPr sz="2200"/>
+            </a:lvl7pPr>
+            <a:lvl8pPr marL="3527801" indent="0">
+              <a:buNone/>
+              <a:defRPr sz="2200"/>
+            </a:lvl8pPr>
+            <a:lvl9pPr marL="4031772" indent="0">
+              <a:buNone/>
+              <a:defRPr sz="2200"/>
+            </a:lvl9pPr>
+          </a:lstStyle>
+          <a:p>
+            <a:r>
+              <a:rPr lang="en-US" smtClean="0"/>
+              <a:t>Click icon to add picture</a:t>
+            </a:r>
+            <a:endParaRPr lang="en-US" dirty="0"/>
+          </a:p>
+        </p:txBody>
+      </p:sp>
+      <p:sp>
+        <p:nvSpPr>
+          <p:cNvPr id="4" name="Text Placeholder 3"/>
+          <p:cNvSpPr>
+            <a:spLocks noGrp="1"/>
+          </p:cNvSpPr>
+          <p:nvPr>
+            <p:ph type="body" sz="half" idx="2"/>
+          </p:nvPr>
+        </p:nvSpPr>
+        <p:spPr>
+          <a:xfrm>
+            <a:off x="332661" y="6719711"/>
+            <a:ext cx="8568531" cy="675331"/>
+          </a:xfrm>
+        </p:spPr>
+        <p:txBody>
+          <a:bodyPr>
+            <a:normAutofit/>
           </a:bodyPr>
           <a:lstStyle>
-            <a:lvl1pPr algn="ctr">
-              <a:buNone/>
-              <a:defRPr sz="2200" b="1"/>
+            <a:lvl1pPr marL="0" indent="0" algn="ctr">
+              <a:buNone/>
+              <a:defRPr sz="1800"/>
             </a:lvl1pPr>
-          </a:lstStyle>
-          <a:p>
-            <a:r>
-              <a:rPr kumimoji="0" lang="en-US" smtClean="0"/>
-              <a:t>Click to edit Master title style</a:t>
-            </a:r>
-            <a:endParaRPr kumimoji="0" lang="en-US"/>
-          </a:p>
-        </p:txBody>
-      </p:sp>
-      <p:sp>
-        <p:nvSpPr>
-          <p:cNvPr id="3" name="Picture Placeholder 2"/>
-          <p:cNvSpPr>
-            <a:spLocks noGrp="1"/>
-          </p:cNvSpPr>
-          <p:nvPr>
-            <p:ph type="pic" idx="1"/>
-          </p:nvPr>
-        </p:nvSpPr>
-        <p:spPr>
-          <a:xfrm>
-            <a:off x="2016125" y="2019413"/>
-            <a:ext cx="6048375" cy="4367812"/>
-          </a:xfrm>
-          <a:solidFill>
-            <a:schemeClr val="bg2"/>
-          </a:solidFill>
-          <a:ln w="44450" cap="sq" cmpd="sng" algn="ctr">
-            <a:solidFill>
-              <a:srgbClr val="FFFFFF"/>
-            </a:solidFill>
-            <a:prstDash val="solid"/>
-            <a:miter lim="800000"/>
-          </a:ln>
-          <a:effectLst>
-            <a:outerShdw blurRad="190500" dist="228600" dir="2700000" sy="90000">
-              <a:srgbClr val="000000">
-                <a:alpha val="25000"/>
-              </a:srgbClr>
-            </a:outerShdw>
-          </a:effectLst>
-          <a:scene3d>
-            <a:camera prst="orthographicFront">
-              <a:rot lat="0" lon="0" rev="0"/>
-            </a:camera>
-            <a:lightRig rig="balanced" dir="tr">
-              <a:rot lat="0" lon="0" rev="2700000"/>
-            </a:lightRig>
-          </a:scene3d>
-          <a:sp3d prstMaterial="matte">
-            <a:contourClr>
-              <a:schemeClr val="tx2">
-                <a:shade val="50000"/>
-              </a:schemeClr>
-            </a:contourClr>
-          </a:sp3d>
-        </p:spPr>
-        <p:style>
-          <a:lnRef idx="3">
-            <a:schemeClr val="lt1"/>
-          </a:lnRef>
-          <a:fillRef idx="1">
-            <a:schemeClr val="accent1"/>
-          </a:fillRef>
-          <a:effectRef idx="1">
-            <a:schemeClr val="accent1"/>
-          </a:effectRef>
-          <a:fontRef idx="minor">
-            <a:schemeClr val="lt1"/>
-          </a:fontRef>
-        </p:style>
-        <p:txBody>
-          <a:bodyPr anchor="t"/>
-          <a:lstStyle>
-            <a:lvl1pPr marL="0" indent="0" algn="l" rtl="0" eaLnBrk="1" latinLnBrk="0" hangingPunct="1">
-              <a:buNone/>
-              <a:defRPr sz="3500"/>
-            </a:lvl1pPr>
-          </a:lstStyle>
-          <a:p>
-            <a:pPr marL="0" algn="l" rtl="0" eaLnBrk="1" latinLnBrk="0" hangingPunct="1"/>
-            <a:r>
-              <a:rPr kumimoji="0" lang="en-US" smtClean="0">
-                <a:solidFill>
-                  <a:schemeClr val="lt1"/>
-                </a:solidFill>
-                <a:latin typeface="+mn-lt"/>
-                <a:ea typeface="+mn-ea"/>
-                <a:cs typeface="+mn-cs"/>
-              </a:rPr>
-              <a:t>Click icon to add picture</a:t>
-            </a:r>
-            <a:endParaRPr kumimoji="0" lang="en-US" dirty="0">
-              <a:solidFill>
-                <a:schemeClr val="lt1"/>
-              </a:solidFill>
-              <a:latin typeface="+mn-lt"/>
-              <a:ea typeface="+mn-ea"/>
-              <a:cs typeface="+mn-cs"/>
-            </a:endParaRPr>
-          </a:p>
-        </p:txBody>
-      </p:sp>
-      <p:sp>
-        <p:nvSpPr>
-          <p:cNvPr id="4" name="Text Placeholder 3"/>
-          <p:cNvSpPr>
-            <a:spLocks noGrp="1"/>
-          </p:cNvSpPr>
-          <p:nvPr>
-            <p:ph type="body" sz="half" idx="2"/>
-          </p:nvPr>
-        </p:nvSpPr>
-        <p:spPr>
-          <a:xfrm>
-            <a:off x="2016125" y="1286167"/>
-            <a:ext cx="6048375" cy="584615"/>
-          </a:xfrm>
-        </p:spPr>
-        <p:txBody>
-          <a:bodyPr lIns="50397" tIns="50397" rIns="50397" anchor="t"/>
-          <a:lstStyle>
-            <a:lvl1pPr marL="0" indent="0" algn="ctr">
-              <a:buNone/>
-              <a:defRPr sz="1500"/>
-            </a:lvl1pPr>
-            <a:lvl2pPr>
+            <a:lvl2pPr marL="503972" indent="0">
+              <a:buNone/>
               <a:defRPr sz="1300"/>
             </a:lvl2pPr>
-            <a:lvl3pPr>
+            <a:lvl3pPr marL="1007943" indent="0">
+              <a:buNone/>
               <a:defRPr sz="1100"/>
             </a:lvl3pPr>
-            <a:lvl4pPr>
+            <a:lvl4pPr marL="1511915" indent="0">
+              <a:buNone/>
               <a:defRPr sz="1000"/>
             </a:lvl4pPr>
-            <a:lvl5pPr>
+            <a:lvl5pPr marL="2015886" indent="0">
+              <a:buNone/>
               <a:defRPr sz="1000"/>
             </a:lvl5pPr>
+            <a:lvl6pPr marL="2519858" indent="0">
+              <a:buNone/>
+              <a:defRPr sz="1000"/>
+            </a:lvl6pPr>
+            <a:lvl7pPr marL="3023829" indent="0">
+              <a:buNone/>
+              <a:defRPr sz="1000"/>
+            </a:lvl7pPr>
+            <a:lvl8pPr marL="3527801" indent="0">
+              <a:buNone/>
+              <a:defRPr sz="1000"/>
+            </a:lvl8pPr>
+            <a:lvl9pPr marL="4031772" indent="0">
+              <a:buNone/>
+              <a:defRPr sz="1000"/>
+            </a:lvl9pPr>
           </a:lstStyle>
           <a:p>
-            <a:pPr lvl="0" eaLnBrk="1" latinLnBrk="0" hangingPunct="1"/>
-            <a:r>
-              <a:rPr kumimoji="0" lang="en-US" smtClean="0"/>
+            <a:pPr lvl="0"/>
+            <a:r>
+              <a:rPr lang="en-US" smtClean="0"/>
               <a:t>Click to edit Master text styles</a:t>
             </a:r>
           </a:p>
@@ -2428,7 +2506,7 @@
       </p:sp>
       <p:sp>
         <p:nvSpPr>
-          <p:cNvPr id="5" name="Date Placeholder 4"/>
+          <p:cNvPr id="8" name="Date Placeholder 7"/>
           <p:cNvSpPr>
             <a:spLocks noGrp="1"/>
           </p:cNvSpPr>
@@ -2451,36 +2529,12 @@
       </p:sp>
       <p:sp>
         <p:nvSpPr>
-          <p:cNvPr id="6" name="Footer Placeholder 5"/>
-          <p:cNvSpPr>
-            <a:spLocks noGrp="1"/>
-          </p:cNvSpPr>
-          <p:nvPr>
-            <p:ph type="ftr" sz="quarter" idx="11"/>
-          </p:nvPr>
-        </p:nvSpPr>
-        <p:spPr/>
-        <p:txBody>
-          <a:bodyPr/>
-          <a:lstStyle/>
-          <a:p>
-            <a:pPr algn="ctr"/>
-            <a:r>
-              <a:rPr lang="en-US" smtClean="0"/>
-              <a:t>&lt;footer&gt;</a:t>
-            </a:r>
-            <a:endParaRPr lang="en-US"/>
-          </a:p>
-        </p:txBody>
-      </p:sp>
-      <p:sp>
-        <p:nvSpPr>
-          <p:cNvPr id="7" name="Slide Number Placeholder 6"/>
-          <p:cNvSpPr>
-            <a:spLocks noGrp="1"/>
-          </p:cNvSpPr>
-          <p:nvPr>
-            <p:ph type="sldNum" sz="quarter" idx="12"/>
+          <p:cNvPr id="9" name="Slide Number Placeholder 8"/>
+          <p:cNvSpPr>
+            <a:spLocks noGrp="1"/>
+          </p:cNvSpPr>
+          <p:nvPr>
+            <p:ph type="sldNum" sz="quarter" idx="11"/>
           </p:nvPr>
         </p:nvSpPr>
         <p:spPr/>
@@ -2493,6 +2547,30 @@
               <a:rPr lang="en-US" smtClean="0"/>
               <a:t>‹#›</a:t>
             </a:fld>
+            <a:endParaRPr lang="en-US"/>
+          </a:p>
+        </p:txBody>
+      </p:sp>
+      <p:sp>
+        <p:nvSpPr>
+          <p:cNvPr id="10" name="Footer Placeholder 9"/>
+          <p:cNvSpPr>
+            <a:spLocks noGrp="1"/>
+          </p:cNvSpPr>
+          <p:nvPr>
+            <p:ph type="ftr" sz="quarter" idx="12"/>
+          </p:nvPr>
+        </p:nvSpPr>
+        <p:spPr/>
+        <p:txBody>
+          <a:bodyPr/>
+          <a:lstStyle/>
+          <a:p>
+            <a:pPr algn="ctr"/>
+            <a:r>
+              <a:rPr lang="en-US" smtClean="0"/>
+              <a:t>&lt;footer&gt;</a:t>
+            </a:r>
             <a:endParaRPr lang="en-US"/>
           </a:p>
         </p:txBody>
@@ -2509,8 +2587,8 @@
 <p:sldMaster xmlns:a="http://schemas.openxmlformats.org/drawingml/2006/main" xmlns:r="http://schemas.openxmlformats.org/officeDocument/2006/relationships" xmlns:p="http://schemas.openxmlformats.org/presentationml/2006/main">
   <p:cSld>
     <p:bg>
-      <p:bgRef idx="1003">
-        <a:schemeClr val="bg2"/>
+      <p:bgRef idx="1002">
+        <a:schemeClr val="bg1"/>
       </p:bgRef>
     </p:bg>
     <p:spTree>
@@ -2529,7 +2607,7 @@
       </p:grpSpPr>
       <p:sp>
         <p:nvSpPr>
-          <p:cNvPr id="22" name="Title Placeholder 21"/>
+          <p:cNvPr id="2" name="Title Placeholder 1"/>
           <p:cNvSpPr>
             <a:spLocks noGrp="1"/>
           </p:cNvSpPr>
@@ -2540,38 +2618,29 @@
         <p:spPr>
           <a:xfrm>
             <a:off x="504031" y="302737"/>
-            <a:ext cx="9072563" cy="1259946"/>
+            <a:ext cx="8400521" cy="1259946"/>
           </a:xfrm>
           <a:prstGeom prst="rect">
             <a:avLst/>
           </a:prstGeom>
         </p:spPr>
         <p:txBody>
-          <a:bodyPr vert="horz" lIns="100794" tIns="50397" rIns="100794" bIns="50397" anchor="ctr">
-            <a:normAutofit/>
-            <a:scene3d>
-              <a:camera prst="orthographicFront"/>
-              <a:lightRig rig="soft" dir="t">
-                <a:rot lat="0" lon="0" rev="16800000"/>
-              </a:lightRig>
-            </a:scene3d>
-            <a:sp3d prstMaterial="softEdge">
-              <a:bevelT w="38100" h="38100"/>
-            </a:sp3d>
+          <a:bodyPr vert="horz" lIns="100794" tIns="50397" rIns="100794" bIns="50397" rtlCol="0" anchor="ctr">
+            <a:noAutofit/>
           </a:bodyPr>
           <a:lstStyle/>
           <a:p>
             <a:r>
-              <a:rPr kumimoji="0" lang="en-US" smtClean="0"/>
+              <a:rPr lang="en-US" smtClean="0"/>
               <a:t>Click to edit Master title style</a:t>
             </a:r>
-            <a:endParaRPr kumimoji="0" lang="en-US"/>
-          </a:p>
-        </p:txBody>
-      </p:sp>
-      <p:sp>
-        <p:nvSpPr>
-          <p:cNvPr id="13" name="Text Placeholder 12"/>
+            <a:endParaRPr lang="en-US" dirty="0"/>
+          </a:p>
+        </p:txBody>
+      </p:sp>
+      <p:sp>
+        <p:nvSpPr>
+          <p:cNvPr id="3" name="Text Placeholder 2"/>
           <p:cNvSpPr>
             <a:spLocks noGrp="1"/>
           </p:cNvSpPr>
@@ -2582,237 +2651,304 @@
         <p:spPr>
           <a:xfrm>
             <a:off x="504031" y="1763924"/>
-            <a:ext cx="9072563" cy="5190977"/>
+            <a:ext cx="8400521" cy="5291773"/>
           </a:xfrm>
           <a:prstGeom prst="rect">
             <a:avLst/>
           </a:prstGeom>
         </p:spPr>
         <p:txBody>
-          <a:bodyPr vert="horz" lIns="100794" tIns="50397" rIns="100794" bIns="50397">
+          <a:bodyPr vert="horz" lIns="100794" tIns="50397" rIns="100794" bIns="50397" rtlCol="0">
             <a:normAutofit/>
           </a:bodyPr>
           <a:lstStyle/>
           <a:p>
-            <a:pPr lvl="0" eaLnBrk="1" latinLnBrk="0" hangingPunct="1"/>
-            <a:r>
-              <a:rPr kumimoji="0" lang="en-US" smtClean="0"/>
+            <a:pPr lvl="0"/>
+            <a:r>
+              <a:rPr lang="en-US" smtClean="0"/>
               <a:t>Click to edit Master text styles</a:t>
             </a:r>
           </a:p>
           <a:p>
-            <a:pPr lvl="1" eaLnBrk="1" latinLnBrk="0" hangingPunct="1"/>
-            <a:r>
-              <a:rPr kumimoji="0" lang="en-US" smtClean="0"/>
+            <a:pPr lvl="1"/>
+            <a:r>
+              <a:rPr lang="en-US" smtClean="0"/>
               <a:t>Second level</a:t>
             </a:r>
           </a:p>
           <a:p>
-            <a:pPr lvl="2" eaLnBrk="1" latinLnBrk="0" hangingPunct="1"/>
-            <a:r>
-              <a:rPr kumimoji="0" lang="en-US" smtClean="0"/>
+            <a:pPr lvl="2"/>
+            <a:r>
+              <a:rPr lang="en-US" smtClean="0"/>
               <a:t>Third level</a:t>
             </a:r>
           </a:p>
           <a:p>
-            <a:pPr lvl="3" eaLnBrk="1" latinLnBrk="0" hangingPunct="1"/>
-            <a:r>
-              <a:rPr kumimoji="0" lang="en-US" smtClean="0"/>
+            <a:pPr lvl="3"/>
+            <a:r>
+              <a:rPr lang="en-US" smtClean="0"/>
               <a:t>Fourth level</a:t>
             </a:r>
           </a:p>
           <a:p>
-            <a:pPr lvl="4" eaLnBrk="1" latinLnBrk="0" hangingPunct="1"/>
-            <a:r>
-              <a:rPr kumimoji="0" lang="en-US" smtClean="0"/>
+            <a:pPr lvl="4"/>
+            <a:r>
+              <a:rPr lang="en-US" smtClean="0"/>
               <a:t>Fifth level</a:t>
             </a:r>
-            <a:endParaRPr kumimoji="0" lang="en-US"/>
-          </a:p>
-        </p:txBody>
-      </p:sp>
-      <p:sp>
-        <p:nvSpPr>
-          <p:cNvPr id="14" name="Date Placeholder 13"/>
-          <p:cNvSpPr>
-            <a:spLocks noGrp="1"/>
-          </p:cNvSpPr>
-          <p:nvPr>
-            <p:ph type="dt" sz="half" idx="2"/>
-          </p:nvPr>
+            <a:endParaRPr lang="en-US" dirty="0"/>
+          </a:p>
+        </p:txBody>
+      </p:sp>
+      <p:sp>
+        <p:nvSpPr>
+          <p:cNvPr id="7" name="Rectangle 6"/>
+          <p:cNvSpPr/>
+          <p:nvPr/>
         </p:nvSpPr>
         <p:spPr>
           <a:xfrm>
-            <a:off x="504031" y="7073196"/>
-            <a:ext cx="2352146" cy="402483"/>
+            <a:off x="9324578" y="0"/>
+            <a:ext cx="756047" cy="7559675"/>
+          </a:xfrm>
+          <a:prstGeom prst="rect">
+            <a:avLst/>
+          </a:prstGeom>
+          <a:solidFill>
+            <a:schemeClr val="tx2"/>
+          </a:solidFill>
+          <a:ln>
+            <a:noFill/>
+          </a:ln>
+        </p:spPr>
+        <p:style>
+          <a:lnRef idx="2">
+            <a:schemeClr val="accent1">
+              <a:shade val="50000"/>
+            </a:schemeClr>
+          </a:lnRef>
+          <a:fillRef idx="1">
+            <a:schemeClr val="accent1"/>
+          </a:fillRef>
+          <a:effectRef idx="0">
+            <a:schemeClr val="accent1"/>
+          </a:effectRef>
+          <a:fontRef idx="minor">
+            <a:schemeClr val="lt1"/>
+          </a:fontRef>
+        </p:style>
+        <p:txBody>
+          <a:bodyPr lIns="100794" tIns="50397" rIns="100794" bIns="50397" rtlCol="0" anchor="ctr"/>
+          <a:lstStyle/>
+          <a:p>
+            <a:pPr algn="ctr"/>
+            <a:endParaRPr lang="en-US"/>
+          </a:p>
+        </p:txBody>
+      </p:sp>
+      <p:sp>
+        <p:nvSpPr>
+          <p:cNvPr id="8" name="Rectangle 7"/>
+          <p:cNvSpPr/>
+          <p:nvPr/>
+        </p:nvSpPr>
+        <p:spPr>
+          <a:xfrm>
+            <a:off x="9324578" y="6047740"/>
+            <a:ext cx="756047" cy="755968"/>
+          </a:xfrm>
+          <a:prstGeom prst="rect">
+            <a:avLst/>
+          </a:prstGeom>
+          <a:solidFill>
+            <a:schemeClr val="accent1"/>
+          </a:solidFill>
+          <a:ln>
+            <a:noFill/>
+          </a:ln>
+        </p:spPr>
+        <p:style>
+          <a:lnRef idx="2">
+            <a:schemeClr val="accent1">
+              <a:shade val="50000"/>
+            </a:schemeClr>
+          </a:lnRef>
+          <a:fillRef idx="1">
+            <a:schemeClr val="accent1"/>
+          </a:fillRef>
+          <a:effectRef idx="0">
+            <a:schemeClr val="accent1"/>
+          </a:effectRef>
+          <a:fontRef idx="minor">
+            <a:schemeClr val="lt1"/>
+          </a:fontRef>
+        </p:style>
+        <p:txBody>
+          <a:bodyPr lIns="100794" tIns="50397" rIns="100794" bIns="50397" rtlCol="0" anchor="ctr"/>
+          <a:lstStyle/>
+          <a:p>
+            <a:pPr algn="ctr"/>
+            <a:endParaRPr lang="en-US"/>
+          </a:p>
+        </p:txBody>
+      </p:sp>
+      <p:sp>
+        <p:nvSpPr>
+          <p:cNvPr id="6" name="Slide Number Placeholder 5"/>
+          <p:cNvSpPr>
+            <a:spLocks noGrp="1"/>
+          </p:cNvSpPr>
+          <p:nvPr>
+            <p:ph type="sldNum" sz="quarter" idx="4"/>
+          </p:nvPr>
+        </p:nvSpPr>
+        <p:spPr>
+          <a:xfrm>
+            <a:off x="9405704" y="6226932"/>
+            <a:ext cx="604838" cy="436781"/>
+          </a:xfrm>
+          <a:prstGeom prst="bracketPair">
+            <a:avLst>
+              <a:gd name="adj" fmla="val 17949"/>
+            </a:avLst>
+          </a:prstGeom>
+          <a:ln w="19050">
+            <a:solidFill>
+              <a:srgbClr val="FFFFFF"/>
+            </a:solidFill>
+          </a:ln>
+        </p:spPr>
+        <p:txBody>
+          <a:bodyPr vert="horz" lIns="0" tIns="0" rIns="0" bIns="0" rtlCol="0" anchor="ctr"/>
+          <a:lstStyle>
+            <a:lvl1pPr algn="ctr">
+              <a:defRPr sz="2000">
+                <a:solidFill>
+                  <a:srgbClr val="FFFFFF"/>
+                </a:solidFill>
+              </a:defRPr>
+            </a:lvl1pPr>
+          </a:lstStyle>
+          <a:p>
+            <a:pPr algn="r"/>
+            <a:fld id="{411141F1-F1E1-41A1-A171-B1A141D15131}" type="slidenum">
+              <a:rPr lang="en-US" smtClean="0"/>
+              <a:t>‹#›</a:t>
+            </a:fld>
+            <a:endParaRPr lang="en-US"/>
+          </a:p>
+        </p:txBody>
+      </p:sp>
+      <p:sp>
+        <p:nvSpPr>
+          <p:cNvPr id="5" name="Footer Placeholder 4"/>
+          <p:cNvSpPr>
+            <a:spLocks noGrp="1"/>
+          </p:cNvSpPr>
+          <p:nvPr>
+            <p:ph type="ftr" sz="quarter" idx="3"/>
+          </p:nvPr>
+        </p:nvSpPr>
+        <p:spPr>
+          <a:xfrm rot="16200000">
+            <a:off x="8364179" y="4462987"/>
+            <a:ext cx="2609489" cy="403225"/>
           </a:xfrm>
           <a:prstGeom prst="rect">
             <a:avLst/>
           </a:prstGeom>
         </p:spPr>
         <p:txBody>
-          <a:bodyPr vert="horz" lIns="100794" tIns="50397" rIns="100794" bIns="50397" anchor="b"/>
+          <a:bodyPr vert="horz" lIns="100794" tIns="50397" rIns="100794" bIns="50397" rtlCol="0" anchor="ctr"/>
           <a:lstStyle>
-            <a:lvl1pPr algn="l" eaLnBrk="1" latinLnBrk="0" hangingPunct="1">
-              <a:defRPr kumimoji="0" sz="1300">
+            <a:lvl1pPr algn="r">
+              <a:defRPr sz="1300">
                 <a:solidFill>
-                  <a:schemeClr val="tx1">
-                    <a:shade val="50000"/>
-                  </a:schemeClr>
+                  <a:schemeClr val="bg2"/>
                 </a:solidFill>
               </a:defRPr>
             </a:lvl1pPr>
           </a:lstStyle>
           <a:p>
-            <a:r>
-              <a:rPr lang="en-US" smtClean="0"/>
-              <a:t>&lt;date/time&gt;</a:t>
-            </a:r>
-            <a:endParaRPr lang="en-US"/>
-          </a:p>
-        </p:txBody>
-      </p:sp>
-      <p:sp>
-        <p:nvSpPr>
-          <p:cNvPr id="3" name="Footer Placeholder 2"/>
-          <p:cNvSpPr>
-            <a:spLocks noGrp="1"/>
-          </p:cNvSpPr>
-          <p:nvPr>
-            <p:ph type="ftr" sz="quarter" idx="3"/>
+            <a:pPr algn="ctr"/>
+            <a:r>
+              <a:rPr lang="en-US" smtClean="0"/>
+              <a:t>&lt;footer&gt;</a:t>
+            </a:r>
+            <a:endParaRPr lang="en-US"/>
+          </a:p>
+        </p:txBody>
+      </p:sp>
+      <p:sp>
+        <p:nvSpPr>
+          <p:cNvPr id="4" name="Date Placeholder 3"/>
+          <p:cNvSpPr>
+            <a:spLocks noGrp="1"/>
+          </p:cNvSpPr>
+          <p:nvPr>
+            <p:ph type="dt" sz="half" idx="2"/>
           </p:nvPr>
         </p:nvSpPr>
         <p:spPr>
-          <a:xfrm>
-            <a:off x="3444214" y="7073196"/>
-            <a:ext cx="3192198" cy="402483"/>
+          <a:xfrm rot="16200000">
+            <a:off x="8324982" y="1814301"/>
+            <a:ext cx="2687883" cy="403225"/>
           </a:xfrm>
           <a:prstGeom prst="rect">
             <a:avLst/>
           </a:prstGeom>
         </p:spPr>
         <p:txBody>
-          <a:bodyPr vert="horz" lIns="100794" tIns="50397" rIns="100794" bIns="50397" anchor="b"/>
+          <a:bodyPr vert="horz" lIns="100794" tIns="50397" rIns="100794" bIns="50397" rtlCol="0" anchor="ctr"/>
           <a:lstStyle>
-            <a:lvl1pPr algn="ctr" eaLnBrk="1" latinLnBrk="0" hangingPunct="1">
-              <a:defRPr kumimoji="0" sz="1300">
+            <a:lvl1pPr algn="l">
+              <a:defRPr sz="1300">
                 <a:solidFill>
-                  <a:schemeClr val="tx1">
-                    <a:shade val="50000"/>
-                  </a:schemeClr>
+                  <a:schemeClr val="bg2"/>
                 </a:solidFill>
               </a:defRPr>
             </a:lvl1pPr>
           </a:lstStyle>
           <a:p>
-            <a:pPr algn="ctr"/>
-            <a:r>
-              <a:rPr lang="en-US" smtClean="0"/>
-              <a:t>&lt;footer&gt;</a:t>
-            </a:r>
-            <a:endParaRPr lang="en-US"/>
-          </a:p>
-        </p:txBody>
-      </p:sp>
-      <p:sp>
-        <p:nvSpPr>
-          <p:cNvPr id="23" name="Slide Number Placeholder 22"/>
-          <p:cNvSpPr>
-            <a:spLocks noGrp="1"/>
-          </p:cNvSpPr>
-          <p:nvPr>
-            <p:ph type="sldNum" sz="quarter" idx="4"/>
-          </p:nvPr>
-        </p:nvSpPr>
-        <p:spPr>
-          <a:xfrm>
-            <a:off x="8736542" y="7073196"/>
-            <a:ext cx="840052" cy="402483"/>
-          </a:xfrm>
-          <a:prstGeom prst="rect">
-            <a:avLst/>
-          </a:prstGeom>
-        </p:spPr>
-        <p:txBody>
-          <a:bodyPr vert="horz" lIns="0" tIns="50397" rIns="0" bIns="50397" anchor="b"/>
-          <a:lstStyle>
-            <a:lvl1pPr algn="r" eaLnBrk="1" latinLnBrk="0" hangingPunct="1">
-              <a:defRPr kumimoji="0" sz="1300">
-                <a:solidFill>
-                  <a:schemeClr val="tx1">
-                    <a:shade val="50000"/>
-                  </a:schemeClr>
-                </a:solidFill>
-              </a:defRPr>
-            </a:lvl1pPr>
-          </a:lstStyle>
-          <a:p>
-            <a:pPr algn="r"/>
-            <a:fld id="{411141F1-F1E1-41A1-A171-B1A141D15131}" type="slidenum">
-              <a:rPr lang="en-US" smtClean="0"/>
-              <a:t>‹#›</a:t>
-            </a:fld>
+            <a:r>
+              <a:rPr lang="en-US" smtClean="0"/>
+              <a:t>&lt;date/time&gt;</a:t>
+            </a:r>
             <a:endParaRPr lang="en-US"/>
           </a:p>
         </p:txBody>
       </p:sp>
     </p:spTree>
   </p:cSld>
-  <p:clrMap bg1="dk1" tx1="lt1" bg2="dk2" tx2="lt2" accent1="accent1" accent2="accent2" accent3="accent3" accent4="accent4" accent5="accent5" accent6="accent6" hlink="hlink" folHlink="folHlink"/>
+  <p:clrMap bg1="lt1" tx1="dk1" bg2="lt2" tx2="dk2" accent1="accent1" accent2="accent2" accent3="accent3" accent4="accent4" accent5="accent5" accent6="accent6" hlink="hlink" folHlink="folHlink"/>
   <p:sldLayoutIdLst>
-    <p:sldLayoutId id="2147483782" r:id="rId1"/>
-    <p:sldLayoutId id="2147483783" r:id="rId2"/>
-    <p:sldLayoutId id="2147483784" r:id="rId3"/>
-    <p:sldLayoutId id="2147483785" r:id="rId4"/>
-    <p:sldLayoutId id="2147483786" r:id="rId5"/>
-    <p:sldLayoutId id="2147483787" r:id="rId6"/>
-    <p:sldLayoutId id="2147483788" r:id="rId7"/>
-    <p:sldLayoutId id="2147483789" r:id="rId8"/>
-    <p:sldLayoutId id="2147483790" r:id="rId9"/>
-    <p:sldLayoutId id="2147483791" r:id="rId10"/>
-    <p:sldLayoutId id="2147483792" r:id="rId11"/>
+    <p:sldLayoutId id="2147483854" r:id="rId1"/>
+    <p:sldLayoutId id="2147483855" r:id="rId2"/>
+    <p:sldLayoutId id="2147483856" r:id="rId3"/>
+    <p:sldLayoutId id="2147483857" r:id="rId4"/>
+    <p:sldLayoutId id="2147483858" r:id="rId5"/>
+    <p:sldLayoutId id="2147483859" r:id="rId6"/>
+    <p:sldLayoutId id="2147483860" r:id="rId7"/>
+    <p:sldLayoutId id="2147483861" r:id="rId8"/>
+    <p:sldLayoutId id="2147483862" r:id="rId9"/>
+    <p:sldLayoutId id="2147483863" r:id="rId10"/>
+    <p:sldLayoutId id="2147483864" r:id="rId11"/>
   </p:sldLayoutIdLst>
   <p:txStyles>
     <p:titleStyle>
-      <a:lvl1pPr algn="ctr" rtl="0" eaLnBrk="1" latinLnBrk="0" hangingPunct="1">
+      <a:lvl1pPr algn="l" defTabSz="1007943" rtl="0" eaLnBrk="1" latinLnBrk="0" hangingPunct="1">
         <a:spcBef>
           <a:spcPct val="0"/>
         </a:spcBef>
         <a:buNone/>
-        <a:defRPr kumimoji="0" sz="4500" b="1" kern="1200" cap="none" baseline="0">
-          <a:ln w="6350">
+        <a:defRPr sz="5100" kern="1200" cap="none" spc="-110" baseline="0">
+          <a:ln>
             <a:noFill/>
           </a:ln>
-          <a:gradFill>
-            <a:gsLst>
-              <a:gs pos="0">
-                <a:schemeClr val="accent1">
-                  <a:tint val="73000"/>
-                  <a:satMod val="145000"/>
-                </a:schemeClr>
-              </a:gs>
-              <a:gs pos="73000">
-                <a:schemeClr val="accent1">
-                  <a:tint val="73000"/>
-                  <a:satMod val="145000"/>
-                </a:schemeClr>
-              </a:gs>
-              <a:gs pos="100000">
-                <a:schemeClr val="accent1">
-                  <a:tint val="83000"/>
-                  <a:satMod val="143000"/>
-                </a:schemeClr>
-              </a:gs>
-            </a:gsLst>
-            <a:lin ang="4800000" scaled="1"/>
-          </a:gradFill>
-          <a:effectLst>
-            <a:outerShdw blurRad="114300" dist="101600" dir="2700000" algn="tl" rotWithShape="0">
-              <a:srgbClr val="000000">
-                <a:alpha val="40000"/>
-              </a:srgbClr>
-            </a:outerShdw>
-          </a:effectLst>
+          <a:solidFill>
+            <a:schemeClr val="tx2"/>
+          </a:solidFill>
+          <a:effectLst/>
           <a:latin typeface="+mj-lt"/>
           <a:ea typeface="+mj-ea"/>
           <a:cs typeface="+mj-cs"/>
@@ -2820,19 +2956,16 @@
       </a:lvl1pPr>
     </p:titleStyle>
     <p:bodyStyle>
-      <a:lvl1pPr marL="604766" indent="-453574" algn="l" rtl="0" eaLnBrk="1" latinLnBrk="0" hangingPunct="1">
+      <a:lvl1pPr marL="377979" indent="-251986" algn="l" defTabSz="1007943" rtl="0" eaLnBrk="1" latinLnBrk="0" hangingPunct="1">
         <a:spcBef>
           <a:spcPct val="20000"/>
         </a:spcBef>
         <a:buClr>
-          <a:schemeClr val="tx1">
-            <a:shade val="95000"/>
-          </a:schemeClr>
+          <a:schemeClr val="accent1"/>
         </a:buClr>
-        <a:buSzPct val="65000"/>
-        <a:buFont typeface="Wingdings 2"/>
-        <a:buChar char=""/>
-        <a:defRPr kumimoji="0" sz="3100" kern="1200">
+        <a:buFont typeface="Arial" pitchFamily="34" charset="0"/>
+        <a:buChar char="•"/>
+        <a:defRPr sz="2400" kern="1200">
           <a:solidFill>
             <a:schemeClr val="tx1"/>
           </a:solidFill>
@@ -2841,17 +2974,16 @@
           <a:cs typeface="+mn-cs"/>
         </a:defRPr>
       </a:lvl1pPr>
-      <a:lvl2pPr marL="957546" indent="-312462" algn="l" rtl="0" eaLnBrk="1" latinLnBrk="0" hangingPunct="1">
+      <a:lvl2pPr marL="705560" indent="-251986" algn="l" defTabSz="1007943" rtl="0" eaLnBrk="1" latinLnBrk="0" hangingPunct="1">
         <a:spcBef>
           <a:spcPct val="20000"/>
         </a:spcBef>
         <a:buClr>
-          <a:schemeClr val="tx1"/>
+          <a:schemeClr val="accent2"/>
         </a:buClr>
-        <a:buSzPct val="80000"/>
-        <a:buFont typeface="Wingdings 2"/>
-        <a:buChar char=""/>
-        <a:defRPr kumimoji="0" sz="2600" kern="1200">
+        <a:buFont typeface="Arial" pitchFamily="34" charset="0"/>
+        <a:buChar char="•"/>
+        <a:defRPr sz="2200" kern="1200">
           <a:solidFill>
             <a:schemeClr val="tx1"/>
           </a:solidFill>
@@ -2860,17 +2992,16 @@
           <a:cs typeface="+mn-cs"/>
         </a:defRPr>
       </a:lvl2pPr>
-      <a:lvl3pPr marL="1249849" indent="-251986" algn="l" rtl="0" eaLnBrk="1" latinLnBrk="0" hangingPunct="1">
+      <a:lvl3pPr marL="1108737" indent="-251986" algn="l" defTabSz="1007943" rtl="0" eaLnBrk="1" latinLnBrk="0" hangingPunct="1">
         <a:spcBef>
           <a:spcPct val="20000"/>
         </a:spcBef>
         <a:buClr>
-          <a:schemeClr val="tx1"/>
+          <a:schemeClr val="accent3"/>
         </a:buClr>
-        <a:buSzPct val="95000"/>
-        <a:buFont typeface="Wingdings"/>
-        <a:buChar char=""/>
-        <a:defRPr kumimoji="0" sz="2400" kern="1200">
+        <a:buFont typeface="Arial" pitchFamily="34" charset="0"/>
+        <a:buChar char="•"/>
+        <a:defRPr sz="2000" kern="1200">
           <a:solidFill>
             <a:schemeClr val="tx1"/>
           </a:solidFill>
@@ -2879,17 +3010,16 @@
           <a:cs typeface="+mn-cs"/>
         </a:defRPr>
       </a:lvl3pPr>
-      <a:lvl4pPr marL="1491756" indent="-201589" algn="l" rtl="0" eaLnBrk="1" latinLnBrk="0" hangingPunct="1">
+      <a:lvl4pPr marL="1411120" indent="-251986" algn="l" defTabSz="1007943" rtl="0" eaLnBrk="1" latinLnBrk="0" hangingPunct="1">
         <a:spcBef>
           <a:spcPct val="20000"/>
         </a:spcBef>
         <a:buClr>
-          <a:schemeClr val="tx1"/>
+          <a:schemeClr val="accent4"/>
         </a:buClr>
-        <a:buSzPct val="100000"/>
-        <a:buFont typeface="Wingdings 3"/>
-        <a:buChar char=""/>
-        <a:defRPr kumimoji="0" sz="2200" kern="1200">
+        <a:buFont typeface="Arial" pitchFamily="34" charset="0"/>
+        <a:buChar char="•"/>
+        <a:defRPr sz="1800" kern="1200">
           <a:solidFill>
             <a:schemeClr val="tx1"/>
           </a:solidFill>
@@ -2898,16 +3028,16 @@
           <a:cs typeface="+mn-cs"/>
         </a:defRPr>
       </a:lvl4pPr>
-      <a:lvl5pPr marL="1703424" indent="-201589" algn="l" rtl="0" eaLnBrk="1" latinLnBrk="0" hangingPunct="1">
+      <a:lvl5pPr marL="1713503" indent="-251986" algn="l" defTabSz="1007943" rtl="0" eaLnBrk="1" latinLnBrk="0" hangingPunct="1">
         <a:spcBef>
           <a:spcPct val="20000"/>
         </a:spcBef>
         <a:buClr>
-          <a:schemeClr val="tx1"/>
+          <a:schemeClr val="accent5"/>
         </a:buClr>
-        <a:buFont typeface="Wingdings 2"/>
-        <a:buChar char=""/>
-        <a:defRPr kumimoji="0" sz="2200" kern="1200">
+        <a:buFont typeface="Arial" pitchFamily="34" charset="0"/>
+        <a:buChar char="•"/>
+        <a:defRPr sz="1500" kern="1200" baseline="0">
           <a:solidFill>
             <a:schemeClr val="tx1"/>
           </a:solidFill>
@@ -2916,16 +3046,16 @@
           <a:cs typeface="+mn-cs"/>
         </a:defRPr>
       </a:lvl5pPr>
-      <a:lvl6pPr marL="1945330" indent="-201589" algn="l" rtl="0" eaLnBrk="1" latinLnBrk="0" hangingPunct="1">
+      <a:lvl6pPr marL="1915092" indent="-201589" algn="l" defTabSz="1007943" rtl="0" eaLnBrk="1" latinLnBrk="0" hangingPunct="1">
         <a:spcBef>
           <a:spcPct val="20000"/>
         </a:spcBef>
         <a:buClr>
-          <a:schemeClr val="tx1"/>
+          <a:schemeClr val="accent1"/>
         </a:buClr>
-        <a:buFont typeface="Wingdings 3"/>
-        <a:buChar char=""/>
-        <a:defRPr kumimoji="0" sz="2000" kern="1200">
+        <a:buFont typeface="Arial" pitchFamily="34" charset="0"/>
+        <a:buChar char="•"/>
+        <a:defRPr sz="1500" kern="1200" baseline="0">
           <a:solidFill>
             <a:schemeClr val="tx1"/>
           </a:solidFill>
@@ -2934,16 +3064,16 @@
           <a:cs typeface="+mn-cs"/>
         </a:defRPr>
       </a:lvl6pPr>
-      <a:lvl7pPr marL="2167078" indent="-201589" algn="l" rtl="0" eaLnBrk="1" latinLnBrk="0" hangingPunct="1">
+      <a:lvl7pPr marL="2116681" indent="-201589" algn="l" defTabSz="1007943" rtl="0" eaLnBrk="1" latinLnBrk="0" hangingPunct="1">
         <a:spcBef>
           <a:spcPct val="20000"/>
         </a:spcBef>
         <a:buClr>
-          <a:schemeClr val="tx1"/>
+          <a:schemeClr val="accent2"/>
         </a:buClr>
-        <a:buFont typeface="Wingdings 2"/>
-        <a:buChar char=""/>
-        <a:defRPr kumimoji="0" sz="1800" kern="1200">
+        <a:buFont typeface="Arial" pitchFamily="34" charset="0"/>
+        <a:buChar char="•"/>
+        <a:defRPr sz="1500" kern="1200">
           <a:solidFill>
             <a:schemeClr val="tx1"/>
           </a:solidFill>
@@ -2952,16 +3082,16 @@
           <a:cs typeface="+mn-cs"/>
         </a:defRPr>
       </a:lvl7pPr>
-      <a:lvl8pPr marL="2388825" indent="-201589" algn="l" rtl="0" eaLnBrk="1" latinLnBrk="0" hangingPunct="1">
+      <a:lvl8pPr marL="2318269" indent="-201589" algn="l" defTabSz="1007943" rtl="0" eaLnBrk="1" latinLnBrk="0" hangingPunct="1">
         <a:spcBef>
           <a:spcPct val="20000"/>
         </a:spcBef>
         <a:buClr>
-          <a:schemeClr val="tx1"/>
+          <a:schemeClr val="accent3"/>
         </a:buClr>
-        <a:buFont typeface="Wingdings 2"/>
-        <a:buChar char=""/>
-        <a:defRPr kumimoji="0" sz="1500" kern="1200">
+        <a:buFont typeface="Arial" pitchFamily="34" charset="0"/>
+        <a:buChar char="•"/>
+        <a:defRPr sz="1500" kern="1200">
           <a:solidFill>
             <a:schemeClr val="tx1"/>
           </a:solidFill>
@@ -2970,16 +3100,16 @@
           <a:cs typeface="+mn-cs"/>
         </a:defRPr>
       </a:lvl8pPr>
-      <a:lvl9pPr marL="2610573" indent="-201589" algn="l" rtl="0" eaLnBrk="1" latinLnBrk="0" hangingPunct="1">
+      <a:lvl9pPr marL="2519858" indent="-201589" algn="l" defTabSz="1007943" rtl="0" eaLnBrk="1" latinLnBrk="0" hangingPunct="1">
         <a:spcBef>
           <a:spcPct val="20000"/>
         </a:spcBef>
         <a:buClr>
-          <a:schemeClr val="tx1"/>
+          <a:schemeClr val="accent4"/>
         </a:buClr>
-        <a:buFont typeface="Wingdings 2"/>
-        <a:buChar char=""/>
-        <a:defRPr kumimoji="0" sz="1500" kern="1200" baseline="0">
+        <a:buFont typeface="Arial" pitchFamily="34" charset="0"/>
+        <a:buChar char="•"/>
+        <a:defRPr sz="1500" kern="1200">
           <a:solidFill>
             <a:schemeClr val="tx1"/>
           </a:solidFill>
@@ -2990,8 +3120,11 @@
       </a:lvl9pPr>
     </p:bodyStyle>
     <p:otherStyle>
-      <a:lvl1pPr marL="0" algn="l" rtl="0" eaLnBrk="1" latinLnBrk="0" hangingPunct="1">
-        <a:defRPr kumimoji="0" kern="1200">
+      <a:defPPr>
+        <a:defRPr lang="en-US"/>
+      </a:defPPr>
+      <a:lvl1pPr marL="0" algn="l" defTabSz="1007943" rtl="0" eaLnBrk="1" latinLnBrk="0" hangingPunct="1">
+        <a:defRPr sz="2000" kern="1200">
           <a:solidFill>
             <a:schemeClr val="tx1"/>
           </a:solidFill>
@@ -3000,8 +3133,8 @@
           <a:cs typeface="+mn-cs"/>
         </a:defRPr>
       </a:lvl1pPr>
-      <a:lvl2pPr marL="503972" algn="l" rtl="0" eaLnBrk="1" latinLnBrk="0" hangingPunct="1">
-        <a:defRPr kumimoji="0" kern="1200">
+      <a:lvl2pPr marL="503972" algn="l" defTabSz="1007943" rtl="0" eaLnBrk="1" latinLnBrk="0" hangingPunct="1">
+        <a:defRPr sz="2000" kern="1200">
           <a:solidFill>
             <a:schemeClr val="tx1"/>
           </a:solidFill>
@@ -3010,8 +3143,8 @@
           <a:cs typeface="+mn-cs"/>
         </a:defRPr>
       </a:lvl2pPr>
-      <a:lvl3pPr marL="1007943" algn="l" rtl="0" eaLnBrk="1" latinLnBrk="0" hangingPunct="1">
-        <a:defRPr kumimoji="0" kern="1200">
+      <a:lvl3pPr marL="1007943" algn="l" defTabSz="1007943" rtl="0" eaLnBrk="1" latinLnBrk="0" hangingPunct="1">
+        <a:defRPr sz="2000" kern="1200">
           <a:solidFill>
             <a:schemeClr val="tx1"/>
           </a:solidFill>
@@ -3020,8 +3153,8 @@
           <a:cs typeface="+mn-cs"/>
         </a:defRPr>
       </a:lvl3pPr>
-      <a:lvl4pPr marL="1511915" algn="l" rtl="0" eaLnBrk="1" latinLnBrk="0" hangingPunct="1">
-        <a:defRPr kumimoji="0" kern="1200">
+      <a:lvl4pPr marL="1511915" algn="l" defTabSz="1007943" rtl="0" eaLnBrk="1" latinLnBrk="0" hangingPunct="1">
+        <a:defRPr sz="2000" kern="1200">
           <a:solidFill>
             <a:schemeClr val="tx1"/>
           </a:solidFill>
@@ -3030,8 +3163,8 @@
           <a:cs typeface="+mn-cs"/>
         </a:defRPr>
       </a:lvl4pPr>
-      <a:lvl5pPr marL="2015886" algn="l" rtl="0" eaLnBrk="1" latinLnBrk="0" hangingPunct="1">
-        <a:defRPr kumimoji="0" kern="1200">
+      <a:lvl5pPr marL="2015886" algn="l" defTabSz="1007943" rtl="0" eaLnBrk="1" latinLnBrk="0" hangingPunct="1">
+        <a:defRPr sz="2000" kern="1200">
           <a:solidFill>
             <a:schemeClr val="tx1"/>
           </a:solidFill>
@@ -3040,8 +3173,8 @@
           <a:cs typeface="+mn-cs"/>
         </a:defRPr>
       </a:lvl5pPr>
-      <a:lvl6pPr marL="2519858" algn="l" rtl="0" eaLnBrk="1" latinLnBrk="0" hangingPunct="1">
-        <a:defRPr kumimoji="0" kern="1200">
+      <a:lvl6pPr marL="2519858" algn="l" defTabSz="1007943" rtl="0" eaLnBrk="1" latinLnBrk="0" hangingPunct="1">
+        <a:defRPr sz="2000" kern="1200">
           <a:solidFill>
             <a:schemeClr val="tx1"/>
           </a:solidFill>
@@ -3050,8 +3183,8 @@
           <a:cs typeface="+mn-cs"/>
         </a:defRPr>
       </a:lvl6pPr>
-      <a:lvl7pPr marL="3023829" algn="l" rtl="0" eaLnBrk="1" latinLnBrk="0" hangingPunct="1">
-        <a:defRPr kumimoji="0" kern="1200">
+      <a:lvl7pPr marL="3023829" algn="l" defTabSz="1007943" rtl="0" eaLnBrk="1" latinLnBrk="0" hangingPunct="1">
+        <a:defRPr sz="2000" kern="1200">
           <a:solidFill>
             <a:schemeClr val="tx1"/>
           </a:solidFill>
@@ -3060,8 +3193,8 @@
           <a:cs typeface="+mn-cs"/>
         </a:defRPr>
       </a:lvl7pPr>
-      <a:lvl8pPr marL="3527801" algn="l" rtl="0" eaLnBrk="1" latinLnBrk="0" hangingPunct="1">
-        <a:defRPr kumimoji="0" kern="1200">
+      <a:lvl8pPr marL="3527801" algn="l" defTabSz="1007943" rtl="0" eaLnBrk="1" latinLnBrk="0" hangingPunct="1">
+        <a:defRPr sz="2000" kern="1200">
           <a:solidFill>
             <a:schemeClr val="tx1"/>
           </a:solidFill>
@@ -3070,8 +3203,8 @@
           <a:cs typeface="+mn-cs"/>
         </a:defRPr>
       </a:lvl8pPr>
-      <a:lvl9pPr marL="4031772" algn="l" rtl="0" eaLnBrk="1" latinLnBrk="0" hangingPunct="1">
-        <a:defRPr kumimoji="0" kern="1200">
+      <a:lvl9pPr marL="4031772" algn="l" defTabSz="1007943" rtl="0" eaLnBrk="1" latinLnBrk="0" hangingPunct="1">
+        <a:defRPr sz="2000" kern="1200">
           <a:solidFill>
             <a:schemeClr val="tx1"/>
           </a:solidFill>
@@ -3137,7 +3270,9 @@
         </p:nvSpPr>
         <p:spPr/>
         <p:txBody>
-          <a:bodyPr/>
+          <a:bodyPr>
+            <a:normAutofit lnSpcReduction="10000"/>
+          </a:bodyPr>
           <a:lstStyle/>
           <a:p>
             <a:r>
@@ -3501,97 +3636,58 @@
 </file>
 
 <file path=ppt/theme/theme1.xml><?xml version="1.0" encoding="utf-8"?>
-<a:theme xmlns:a="http://schemas.openxmlformats.org/drawingml/2006/main" name="Apex">
+<a:theme xmlns:a="http://schemas.openxmlformats.org/drawingml/2006/main" name="Adjacency">
   <a:themeElements>
-    <a:clrScheme name="Apex">
+    <a:clrScheme name="Adjacency">
       <a:dk1>
-        <a:sysClr val="windowText" lastClr="000000"/>
+        <a:srgbClr val="2F2B20"/>
       </a:dk1>
       <a:lt1>
-        <a:sysClr val="window" lastClr="FFFFFF"/>
+        <a:srgbClr val="FFFFFF"/>
       </a:lt1>
       <a:dk2>
-        <a:srgbClr val="69676D"/>
+        <a:srgbClr val="675E47"/>
       </a:dk2>
       <a:lt2>
-        <a:srgbClr val="C9C2D1"/>
+        <a:srgbClr val="DFDCB7"/>
       </a:lt2>
       <a:accent1>
-        <a:srgbClr val="CEB966"/>
+        <a:srgbClr val="A9A57C"/>
       </a:accent1>
       <a:accent2>
-        <a:srgbClr val="9CB084"/>
+        <a:srgbClr val="9CBEBD"/>
       </a:accent2>
       <a:accent3>
-        <a:srgbClr val="6BB1C9"/>
+        <a:srgbClr val="D2CB6C"/>
       </a:accent3>
       <a:accent4>
-        <a:srgbClr val="6585CF"/>
+        <a:srgbClr val="95A39D"/>
       </a:accent4>
       <a:accent5>
-        <a:srgbClr val="7E6BC9"/>
+        <a:srgbClr val="C89F5D"/>
       </a:accent5>
       <a:accent6>
-        <a:srgbClr val="A379BB"/>
+        <a:srgbClr val="B1A089"/>
       </a:accent6>
       <a:hlink>
-        <a:srgbClr val="410082"/>
+        <a:srgbClr val="D25814"/>
       </a:hlink>
       <a:folHlink>
-        <a:srgbClr val="932968"/>
+        <a:srgbClr val="849A0A"/>
       </a:folHlink>
     </a:clrScheme>
-    <a:fontScheme name="Apex">
+    <a:fontScheme name="Office">
       <a:majorFont>
-        <a:latin typeface="Lucida Sans"/>
+        <a:latin typeface="Cambria"/>
         <a:ea typeface=""/>
         <a:cs typeface=""/>
-        <a:font script="Grek" typeface="Arial"/>
-        <a:font script="Cyrl" typeface="Arial"/>
-        <a:font script="Jpan" typeface="HG丸ｺﾞｼｯｸM-PRO"/>
-        <a:font script="Hang" typeface="휴먼옛체"/>
-        <a:font script="Hans" typeface="黑体"/>
-        <a:font script="Hant" typeface="微軟正黑體"/>
-        <a:font script="Arab" typeface="Tahoma"/>
-        <a:font script="Hebr" typeface="Levenim MT"/>
-        <a:font script="Thai" typeface="FreesiaUPC"/>
-        <a:font script="Ethi" typeface="Nyala"/>
-        <a:font script="Beng" typeface="Vrinda"/>
-        <a:font script="Gujr" typeface="Shruti"/>
-        <a:font script="Khmr" typeface="DaunPenh"/>
-        <a:font script="Knda" typeface="Tunga"/>
-        <a:font script="Guru" typeface="Raavi"/>
-        <a:font script="Cans" typeface="Euphemia"/>
-        <a:font script="Cher" typeface="Plantagenet Cherokee"/>
-        <a:font script="Yiii" typeface="Microsoft Yi Baiti"/>
-        <a:font script="Tibt" typeface="Microsoft Himalaya"/>
-        <a:font script="Thaa" typeface="MV Boli"/>
-        <a:font script="Deva" typeface="Mangal"/>
-        <a:font script="Telu" typeface="Gautami"/>
-        <a:font script="Taml" typeface="Latha"/>
-        <a:font script="Syrc" typeface="Estrangelo Edessa"/>
-        <a:font script="Orya" typeface="Kalinga"/>
-        <a:font script="Mlym" typeface="Kartika"/>
-        <a:font script="Laoo" typeface="DokChampa"/>
-        <a:font script="Sinh" typeface="Iskoola Pota"/>
-        <a:font script="Mong" typeface="Mongolian Baiti"/>
-        <a:font script="Viet" typeface="Tahoma"/>
-        <a:font script="Uigh" typeface="Microsoft Uighur"/>
-        <a:font script="Geor" typeface="Sylfaen"/>
-      </a:majorFont>
-      <a:minorFont>
-        <a:latin typeface="Book Antiqua"/>
-        <a:ea typeface=""/>
-        <a:cs typeface=""/>
-        <a:font script="Grek" typeface="Times New Roman"/>
-        <a:font script="Cyrl" typeface="Times New Roman"/>
-        <a:font script="Jpan" typeface="HG明朝B"/>
-        <a:font script="Hang" typeface="돋움"/>
+        <a:font script="Jpan" typeface="ＭＳ ゴシック"/>
+        <a:font script="Hang" typeface="맑은 고딕"/>
         <a:font script="Hans" typeface="宋体"/>
         <a:font script="Hant" typeface="新細明體"/>
         <a:font script="Arab" typeface="Times New Roman"/>
-        <a:font script="Hebr" typeface="David"/>
-        <a:font script="Thai" typeface="EucrosiaUPC"/>
+        <a:font script="Hebr" typeface="Times New Roman"/>
+        <a:font script="Thai" typeface="Angsana New"/>
         <a:font script="Ethi" typeface="Nyala"/>
         <a:font script="Beng" typeface="Vrinda"/>
         <a:font script="Gujr" typeface="Shruti"/>
@@ -3615,75 +3711,63 @@
         <a:font script="Viet" typeface="Times New Roman"/>
         <a:font script="Uigh" typeface="Microsoft Uighur"/>
         <a:font script="Geor" typeface="Sylfaen"/>
+      </a:majorFont>
+      <a:minorFont>
+        <a:latin typeface="Calibri"/>
+        <a:ea typeface=""/>
+        <a:cs typeface=""/>
+        <a:font script="Jpan" typeface="ＭＳ 明朝"/>
+        <a:font script="Hang" typeface="맑은 고딕"/>
+        <a:font script="Hans" typeface="宋体"/>
+        <a:font script="Hant" typeface="新細明體"/>
+        <a:font script="Arab" typeface="Arial"/>
+        <a:font script="Hebr" typeface="Arial"/>
+        <a:font script="Thai" typeface="Cordia New"/>
+        <a:font script="Ethi" typeface="Nyala"/>
+        <a:font script="Beng" typeface="Vrinda"/>
+        <a:font script="Gujr" typeface="Shruti"/>
+        <a:font script="Khmr" typeface="DaunPenh"/>
+        <a:font script="Knda" typeface="Tunga"/>
+        <a:font script="Guru" typeface="Raavi"/>
+        <a:font script="Cans" typeface="Euphemia"/>
+        <a:font script="Cher" typeface="Plantagenet Cherokee"/>
+        <a:font script="Yiii" typeface="Microsoft Yi Baiti"/>
+        <a:font script="Tibt" typeface="Microsoft Himalaya"/>
+        <a:font script="Thaa" typeface="MV Boli"/>
+        <a:font script="Deva" typeface="Mangal"/>
+        <a:font script="Telu" typeface="Gautami"/>
+        <a:font script="Taml" typeface="Latha"/>
+        <a:font script="Syrc" typeface="Estrangelo Edessa"/>
+        <a:font script="Orya" typeface="Kalinga"/>
+        <a:font script="Mlym" typeface="Kartika"/>
+        <a:font script="Laoo" typeface="DokChampa"/>
+        <a:font script="Sinh" typeface="Iskoola Pota"/>
+        <a:font script="Mong" typeface="Mongolian Baiti"/>
+        <a:font script="Viet" typeface="Arial"/>
+        <a:font script="Uigh" typeface="Microsoft Uighur"/>
+        <a:font script="Geor" typeface="Sylfaen"/>
       </a:minorFont>
     </a:fontScheme>
-    <a:fmtScheme name="Apex">
+    <a:fmtScheme name="Adjacency">
       <a:fillStyleLst>
         <a:solidFill>
           <a:schemeClr val="phClr"/>
         </a:solidFill>
-        <a:gradFill rotWithShape="1">
-          <a:gsLst>
-            <a:gs pos="20000">
-              <a:schemeClr val="phClr">
-                <a:tint val="9000"/>
-              </a:schemeClr>
-            </a:gs>
-            <a:gs pos="100000">
-              <a:schemeClr val="phClr">
-                <a:tint val="70000"/>
-                <a:satMod val="100000"/>
-              </a:schemeClr>
-            </a:gs>
-          </a:gsLst>
-          <a:path path="circle">
-            <a:fillToRect l="-15000" t="-15000" r="115000" b="115000"/>
-          </a:path>
-        </a:gradFill>
-        <a:gradFill rotWithShape="1">
-          <a:gsLst>
-            <a:gs pos="0">
-              <a:schemeClr val="phClr">
-                <a:shade val="60000"/>
-              </a:schemeClr>
-            </a:gs>
-            <a:gs pos="33000">
-              <a:schemeClr val="phClr">
-                <a:tint val="86500"/>
-              </a:schemeClr>
-            </a:gs>
-            <a:gs pos="46750">
-              <a:schemeClr val="phClr">
-                <a:tint val="71000"/>
-                <a:satMod val="112000"/>
-              </a:schemeClr>
-            </a:gs>
-            <a:gs pos="53000">
-              <a:schemeClr val="phClr">
-                <a:tint val="71000"/>
-                <a:satMod val="112000"/>
-              </a:schemeClr>
-            </a:gs>
-            <a:gs pos="68000">
-              <a:schemeClr val="phClr">
-                <a:tint val="86000"/>
-              </a:schemeClr>
-            </a:gs>
-            <a:gs pos="100000">
-              <a:schemeClr val="phClr">
-                <a:shade val="60000"/>
-              </a:schemeClr>
-            </a:gs>
-          </a:gsLst>
-          <a:lin ang="8350000" scaled="1"/>
-        </a:gradFill>
+        <a:solidFill>
+          <a:schemeClr val="phClr">
+            <a:tint val="55000"/>
+          </a:schemeClr>
+        </a:solidFill>
+        <a:solidFill>
+          <a:schemeClr val="phClr"/>
+        </a:solidFill>
       </a:fillStyleLst>
       <a:lnStyleLst>
-        <a:ln w="9525" cap="flat" cmpd="sng" algn="ctr">
+        <a:ln w="12700" cap="flat" cmpd="sng" algn="ctr">
           <a:solidFill>
             <a:schemeClr val="phClr">
-              <a:shade val="48000"/>
-              <a:satMod val="110000"/>
+              <a:shade val="95000"/>
+              <a:satMod val="105000"/>
             </a:schemeClr>
           </a:solidFill>
           <a:prstDash val="solid"/>
@@ -3703,41 +3787,35 @@
       </a:lnStyleLst>
       <a:effectStyleLst>
         <a:effectStyle>
+          <a:effectLst/>
+        </a:effectStyle>
+        <a:effectStyle>
           <a:effectLst>
-            <a:outerShdw blurRad="130000" dist="101600" dir="2700000" algn="tl" rotWithShape="0">
+            <a:outerShdw blurRad="50800" dist="25400" algn="bl" rotWithShape="0">
               <a:srgbClr val="000000">
-                <a:alpha val="35000"/>
+                <a:alpha val="60000"/>
               </a:srgbClr>
             </a:outerShdw>
           </a:effectLst>
         </a:effectStyle>
         <a:effectStyle>
-          <a:effectLst>
-            <a:outerShdw blurRad="190500" dist="228600" dir="2700000" sy="90000" rotWithShape="0">
-              <a:srgbClr val="000000">
-                <a:alpha val="25500"/>
-              </a:srgbClr>
-            </a:outerShdw>
-          </a:effectLst>
-        </a:effectStyle>
-        <a:effectStyle>
-          <a:effectLst>
-            <a:outerShdw blurRad="190500" dist="228600" dir="2700000" sy="90000" rotWithShape="0">
-              <a:srgbClr val="000000">
-                <a:alpha val="25500"/>
-              </a:srgbClr>
-            </a:outerShdw>
-          </a:effectLst>
+          <a:effectLst/>
           <a:scene3d>
-            <a:camera prst="orthographicFront" fov="0">
+            <a:camera prst="orthographicFront">
               <a:rot lat="0" lon="0" rev="0"/>
             </a:camera>
-            <a:lightRig rig="soft" dir="tl">
-              <a:rot lat="0" lon="0" rev="20100000"/>
+            <a:lightRig rig="brightRoom" dir="tl">
+              <a:rot lat="0" lon="0" rev="1800000"/>
             </a:lightRig>
           </a:scene3d>
-          <a:sp3d>
-            <a:bevelT w="50800" h="50800"/>
+          <a:sp3d contourW="10160" prstMaterial="dkEdge">
+            <a:bevelT w="38100" h="50800" prst="angle"/>
+            <a:contourClr>
+              <a:schemeClr val="phClr">
+                <a:shade val="40000"/>
+                <a:satMod val="150000"/>
+              </a:schemeClr>
+            </a:contourClr>
           </a:sp3d>
         </a:effectStyle>
       </a:effectStyleLst>
@@ -3749,37 +3827,38 @@
           <a:gsLst>
             <a:gs pos="0">
               <a:schemeClr val="phClr">
-                <a:tint val="50000"/>
-                <a:satMod val="180000"/>
+                <a:tint val="90000"/>
+              </a:schemeClr>
+            </a:gs>
+            <a:gs pos="75000">
+              <a:schemeClr val="phClr">
+                <a:shade val="100000"/>
+                <a:satMod val="115000"/>
               </a:schemeClr>
             </a:gs>
             <a:gs pos="100000">
               <a:schemeClr val="phClr">
-                <a:shade val="45000"/>
-                <a:satMod val="120000"/>
+                <a:shade val="70000"/>
+                <a:satMod val="130000"/>
               </a:schemeClr>
             </a:gs>
           </a:gsLst>
           <a:path path="circle">
-            <a:fillToRect r="100000" b="100000"/>
+            <a:fillToRect l="20000" t="50000" r="100000" b="50000"/>
           </a:path>
         </a:gradFill>
-        <a:blipFill>
+        <a:blipFill rotWithShape="1">
           <a:blip xmlns:r="http://schemas.openxmlformats.org/officeDocument/2006/relationships" r:embed="rId1">
             <a:duotone>
               <a:schemeClr val="phClr">
-                <a:shade val="3000"/>
-                <a:satMod val="110000"/>
+                <a:tint val="97000"/>
               </a:schemeClr>
               <a:schemeClr val="phClr">
-                <a:tint val="60000"/>
-                <a:satMod val="425000"/>
+                <a:shade val="96000"/>
               </a:schemeClr>
             </a:duotone>
           </a:blip>
-          <a:stretch>
-            <a:fillRect/>
-          </a:stretch>
+          <a:tile tx="0" ty="0" sx="32000" sy="32000" flip="none" algn="tl"/>
         </a:blipFill>
       </a:bgFillStyleLst>
     </a:fmtScheme>
